--- a/Wireframing_Lean_BI_using_AI.pptx
+++ b/Wireframing_Lean_BI_using_AI.pptx
@@ -3433,6 +3433,21 @@
               <a:rPr lang="en-IN" dirty="0"/>
               <a:t>Lean BI using AI</a:t>
             </a:r>
+          </a:p>
+          <a:p>
+            <a:endParaRPr lang="en-IN" dirty="0"/>
+          </a:p>
+          <a:p>
+            <a:r>
+              <a:rPr lang="en-US" dirty="0">
+                <a:hlinkClick r:id="rId2"/>
+              </a:rPr>
+              <a:t>https://github.com/vikramnayak-com/lean-bi</a:t>
+            </a:r>
+            <a:endParaRPr lang="en-US" dirty="0"/>
+          </a:p>
+          <a:p>
+            <a:endParaRPr lang="en-IN" dirty="0"/>
           </a:p>
         </p:txBody>
       </p:sp>

--- a/Wireframing_Lean_BI_using_AI.pptx
+++ b/Wireframing_Lean_BI_using_AI.pptx
@@ -4,40 +4,44 @@
   <p:sldMasterIdLst>
     <p:sldMasterId id="2147483648" r:id="rId1"/>
   </p:sldMasterIdLst>
+  <p:notesMasterIdLst>
+    <p:notesMasterId r:id="rId36"/>
+  </p:notesMasterIdLst>
   <p:sldIdLst>
     <p:sldId id="256" r:id="rId2"/>
     <p:sldId id="258" r:id="rId3"/>
-    <p:sldId id="289" r:id="rId4"/>
-    <p:sldId id="267" r:id="rId5"/>
-    <p:sldId id="268" r:id="rId6"/>
-    <p:sldId id="269" r:id="rId7"/>
-    <p:sldId id="260" r:id="rId8"/>
-    <p:sldId id="262" r:id="rId9"/>
-    <p:sldId id="264" r:id="rId10"/>
-    <p:sldId id="265" r:id="rId11"/>
-    <p:sldId id="270" r:id="rId12"/>
-    <p:sldId id="271" r:id="rId13"/>
-    <p:sldId id="272" r:id="rId14"/>
-    <p:sldId id="273" r:id="rId15"/>
-    <p:sldId id="276" r:id="rId16"/>
-    <p:sldId id="274" r:id="rId17"/>
-    <p:sldId id="277" r:id="rId18"/>
-    <p:sldId id="275" r:id="rId19"/>
-    <p:sldId id="278" r:id="rId20"/>
-    <p:sldId id="279" r:id="rId21"/>
-    <p:sldId id="280" r:id="rId22"/>
-    <p:sldId id="281" r:id="rId23"/>
-    <p:sldId id="282" r:id="rId24"/>
-    <p:sldId id="285" r:id="rId25"/>
-    <p:sldId id="283" r:id="rId26"/>
-    <p:sldId id="284" r:id="rId27"/>
-    <p:sldId id="286" r:id="rId28"/>
-    <p:sldId id="287" r:id="rId29"/>
-    <p:sldId id="288" r:id="rId30"/>
-    <p:sldId id="291" r:id="rId31"/>
-    <p:sldId id="292" r:id="rId32"/>
-    <p:sldId id="290" r:id="rId33"/>
-    <p:sldId id="293" r:id="rId34"/>
+    <p:sldId id="297" r:id="rId4"/>
+    <p:sldId id="296" r:id="rId5"/>
+    <p:sldId id="267" r:id="rId6"/>
+    <p:sldId id="268" r:id="rId7"/>
+    <p:sldId id="269" r:id="rId8"/>
+    <p:sldId id="260" r:id="rId9"/>
+    <p:sldId id="262" r:id="rId10"/>
+    <p:sldId id="264" r:id="rId11"/>
+    <p:sldId id="265" r:id="rId12"/>
+    <p:sldId id="270" r:id="rId13"/>
+    <p:sldId id="294" r:id="rId14"/>
+    <p:sldId id="271" r:id="rId15"/>
+    <p:sldId id="272" r:id="rId16"/>
+    <p:sldId id="273" r:id="rId17"/>
+    <p:sldId id="276" r:id="rId18"/>
+    <p:sldId id="274" r:id="rId19"/>
+    <p:sldId id="277" r:id="rId20"/>
+    <p:sldId id="275" r:id="rId21"/>
+    <p:sldId id="278" r:id="rId22"/>
+    <p:sldId id="279" r:id="rId23"/>
+    <p:sldId id="280" r:id="rId24"/>
+    <p:sldId id="281" r:id="rId25"/>
+    <p:sldId id="282" r:id="rId26"/>
+    <p:sldId id="285" r:id="rId27"/>
+    <p:sldId id="283" r:id="rId28"/>
+    <p:sldId id="284" r:id="rId29"/>
+    <p:sldId id="286" r:id="rId30"/>
+    <p:sldId id="287" r:id="rId31"/>
+    <p:sldId id="288" r:id="rId32"/>
+    <p:sldId id="295" r:id="rId33"/>
+    <p:sldId id="292" r:id="rId34"/>
+    <p:sldId id="290" r:id="rId35"/>
   </p:sldIdLst>
   <p:sldSz cx="12192000" cy="6858000"/>
   <p:notesSz cx="6858000" cy="9144000"/>
@@ -144,6 +148,742 @@
 </p:presentation>
 </file>
 
+<file path=ppt/notesMasters/notesMaster1.xml><?xml version="1.0" encoding="utf-8"?>
+<p:notesMaster xmlns:a="http://schemas.openxmlformats.org/drawingml/2006/main" xmlns:r="http://schemas.openxmlformats.org/officeDocument/2006/relationships" xmlns:p="http://schemas.openxmlformats.org/presentationml/2006/main">
+  <p:cSld>
+    <p:bg>
+      <p:bgRef idx="1001">
+        <a:schemeClr val="bg1"/>
+      </p:bgRef>
+    </p:bg>
+    <p:spTree>
+      <p:nvGrpSpPr>
+        <p:cNvPr id="1" name=""/>
+        <p:cNvGrpSpPr/>
+        <p:nvPr/>
+      </p:nvGrpSpPr>
+      <p:grpSpPr>
+        <a:xfrm>
+          <a:off x="0" y="0"/>
+          <a:ext cx="0" cy="0"/>
+          <a:chOff x="0" y="0"/>
+          <a:chExt cx="0" cy="0"/>
+        </a:xfrm>
+      </p:grpSpPr>
+      <p:sp>
+        <p:nvSpPr>
+          <p:cNvPr id="2" name="Header Placeholder 1"/>
+          <p:cNvSpPr>
+            <a:spLocks noGrp="1"/>
+          </p:cNvSpPr>
+          <p:nvPr>
+            <p:ph type="hdr" sz="quarter"/>
+          </p:nvPr>
+        </p:nvSpPr>
+        <p:spPr>
+          <a:xfrm>
+            <a:off x="0" y="0"/>
+            <a:ext cx="2971800" cy="458788"/>
+          </a:xfrm>
+          <a:prstGeom prst="rect">
+            <a:avLst/>
+          </a:prstGeom>
+        </p:spPr>
+        <p:txBody>
+          <a:bodyPr vert="horz" lIns="91440" tIns="45720" rIns="91440" bIns="45720" rtlCol="0"/>
+          <a:lstStyle>
+            <a:lvl1pPr algn="l">
+              <a:defRPr sz="1200"/>
+            </a:lvl1pPr>
+          </a:lstStyle>
+          <a:p>
+            <a:endParaRPr lang="en-IN"/>
+          </a:p>
+        </p:txBody>
+      </p:sp>
+      <p:sp>
+        <p:nvSpPr>
+          <p:cNvPr id="3" name="Date Placeholder 2"/>
+          <p:cNvSpPr>
+            <a:spLocks noGrp="1"/>
+          </p:cNvSpPr>
+          <p:nvPr>
+            <p:ph type="dt" idx="1"/>
+          </p:nvPr>
+        </p:nvSpPr>
+        <p:spPr>
+          <a:xfrm>
+            <a:off x="3884613" y="0"/>
+            <a:ext cx="2971800" cy="458788"/>
+          </a:xfrm>
+          <a:prstGeom prst="rect">
+            <a:avLst/>
+          </a:prstGeom>
+        </p:spPr>
+        <p:txBody>
+          <a:bodyPr vert="horz" lIns="91440" tIns="45720" rIns="91440" bIns="45720" rtlCol="0"/>
+          <a:lstStyle>
+            <a:lvl1pPr algn="r">
+              <a:defRPr sz="1200"/>
+            </a:lvl1pPr>
+          </a:lstStyle>
+          <a:p>
+            <a:fld id="{98F9429C-EAC4-485F-8173-D8932867270A}" type="datetimeFigureOut">
+              <a:rPr lang="en-IN" smtClean="0"/>
+              <a:t>11-12-2025</a:t>
+            </a:fld>
+            <a:endParaRPr lang="en-IN"/>
+          </a:p>
+        </p:txBody>
+      </p:sp>
+      <p:sp>
+        <p:nvSpPr>
+          <p:cNvPr id="4" name="Slide Image Placeholder 3"/>
+          <p:cNvSpPr>
+            <a:spLocks noGrp="1" noRot="1" noChangeAspect="1"/>
+          </p:cNvSpPr>
+          <p:nvPr>
+            <p:ph type="sldImg" idx="2"/>
+          </p:nvPr>
+        </p:nvSpPr>
+        <p:spPr>
+          <a:xfrm>
+            <a:off x="685800" y="1143000"/>
+            <a:ext cx="5486400" cy="3086100"/>
+          </a:xfrm>
+          <a:prstGeom prst="rect">
+            <a:avLst/>
+          </a:prstGeom>
+          <a:noFill/>
+          <a:ln w="12700">
+            <a:solidFill>
+              <a:prstClr val="black"/>
+            </a:solidFill>
+          </a:ln>
+        </p:spPr>
+        <p:txBody>
+          <a:bodyPr vert="horz" lIns="91440" tIns="45720" rIns="91440" bIns="45720" rtlCol="0" anchor="ctr"/>
+          <a:lstStyle/>
+          <a:p>
+            <a:endParaRPr lang="en-IN"/>
+          </a:p>
+        </p:txBody>
+      </p:sp>
+      <p:sp>
+        <p:nvSpPr>
+          <p:cNvPr id="5" name="Notes Placeholder 4"/>
+          <p:cNvSpPr>
+            <a:spLocks noGrp="1"/>
+          </p:cNvSpPr>
+          <p:nvPr>
+            <p:ph type="body" sz="quarter" idx="3"/>
+          </p:nvPr>
+        </p:nvSpPr>
+        <p:spPr>
+          <a:xfrm>
+            <a:off x="685800" y="4400550"/>
+            <a:ext cx="5486400" cy="3600450"/>
+          </a:xfrm>
+          <a:prstGeom prst="rect">
+            <a:avLst/>
+          </a:prstGeom>
+        </p:spPr>
+        <p:txBody>
+          <a:bodyPr vert="horz" lIns="91440" tIns="45720" rIns="91440" bIns="45720" rtlCol="0"/>
+          <a:lstStyle/>
+          <a:p>
+            <a:pPr lvl="0"/>
+            <a:r>
+              <a:rPr lang="en-US"/>
+              <a:t>Click to edit Master text styles</a:t>
+            </a:r>
+          </a:p>
+          <a:p>
+            <a:pPr lvl="1"/>
+            <a:r>
+              <a:rPr lang="en-US"/>
+              <a:t>Second level</a:t>
+            </a:r>
+          </a:p>
+          <a:p>
+            <a:pPr lvl="2"/>
+            <a:r>
+              <a:rPr lang="en-US"/>
+              <a:t>Third level</a:t>
+            </a:r>
+          </a:p>
+          <a:p>
+            <a:pPr lvl="3"/>
+            <a:r>
+              <a:rPr lang="en-US"/>
+              <a:t>Fourth level</a:t>
+            </a:r>
+          </a:p>
+          <a:p>
+            <a:pPr lvl="4"/>
+            <a:r>
+              <a:rPr lang="en-US"/>
+              <a:t>Fifth level</a:t>
+            </a:r>
+            <a:endParaRPr lang="en-IN"/>
+          </a:p>
+        </p:txBody>
+      </p:sp>
+      <p:sp>
+        <p:nvSpPr>
+          <p:cNvPr id="6" name="Footer Placeholder 5"/>
+          <p:cNvSpPr>
+            <a:spLocks noGrp="1"/>
+          </p:cNvSpPr>
+          <p:nvPr>
+            <p:ph type="ftr" sz="quarter" idx="4"/>
+          </p:nvPr>
+        </p:nvSpPr>
+        <p:spPr>
+          <a:xfrm>
+            <a:off x="0" y="8685213"/>
+            <a:ext cx="2971800" cy="458787"/>
+          </a:xfrm>
+          <a:prstGeom prst="rect">
+            <a:avLst/>
+          </a:prstGeom>
+        </p:spPr>
+        <p:txBody>
+          <a:bodyPr vert="horz" lIns="91440" tIns="45720" rIns="91440" bIns="45720" rtlCol="0" anchor="b"/>
+          <a:lstStyle>
+            <a:lvl1pPr algn="l">
+              <a:defRPr sz="1200"/>
+            </a:lvl1pPr>
+          </a:lstStyle>
+          <a:p>
+            <a:endParaRPr lang="en-IN"/>
+          </a:p>
+        </p:txBody>
+      </p:sp>
+      <p:sp>
+        <p:nvSpPr>
+          <p:cNvPr id="7" name="Slide Number Placeholder 6"/>
+          <p:cNvSpPr>
+            <a:spLocks noGrp="1"/>
+          </p:cNvSpPr>
+          <p:nvPr>
+            <p:ph type="sldNum" sz="quarter" idx="5"/>
+          </p:nvPr>
+        </p:nvSpPr>
+        <p:spPr>
+          <a:xfrm>
+            <a:off x="3884613" y="8685213"/>
+            <a:ext cx="2971800" cy="458787"/>
+          </a:xfrm>
+          <a:prstGeom prst="rect">
+            <a:avLst/>
+          </a:prstGeom>
+        </p:spPr>
+        <p:txBody>
+          <a:bodyPr vert="horz" lIns="91440" tIns="45720" rIns="91440" bIns="45720" rtlCol="0" anchor="b"/>
+          <a:lstStyle>
+            <a:lvl1pPr algn="r">
+              <a:defRPr sz="1200"/>
+            </a:lvl1pPr>
+          </a:lstStyle>
+          <a:p>
+            <a:fld id="{8C6E81EF-1407-4F51-9B73-3F3C66F5DC34}" type="slidenum">
+              <a:rPr lang="en-IN" smtClean="0"/>
+              <a:t>‹#›</a:t>
+            </a:fld>
+            <a:endParaRPr lang="en-IN"/>
+          </a:p>
+        </p:txBody>
+      </p:sp>
+    </p:spTree>
+    <p:extLst>
+      <p:ext uri="{BB962C8B-B14F-4D97-AF65-F5344CB8AC3E}">
+        <p14:creationId xmlns:p14="http://schemas.microsoft.com/office/powerpoint/2010/main" val="2882365078"/>
+      </p:ext>
+    </p:extLst>
+  </p:cSld>
+  <p:clrMap bg1="lt1" tx1="dk1" bg2="lt2" tx2="dk2" accent1="accent1" accent2="accent2" accent3="accent3" accent4="accent4" accent5="accent5" accent6="accent6" hlink="hlink" folHlink="folHlink"/>
+  <p:notesStyle>
+    <a:lvl1pPr marL="0" algn="l" defTabSz="914400" rtl="0" eaLnBrk="1" latinLnBrk="0" hangingPunct="1">
+      <a:defRPr sz="1200" kern="1200">
+        <a:solidFill>
+          <a:schemeClr val="tx1"/>
+        </a:solidFill>
+        <a:latin typeface="+mn-lt"/>
+        <a:ea typeface="+mn-ea"/>
+        <a:cs typeface="+mn-cs"/>
+      </a:defRPr>
+    </a:lvl1pPr>
+    <a:lvl2pPr marL="457200" algn="l" defTabSz="914400" rtl="0" eaLnBrk="1" latinLnBrk="0" hangingPunct="1">
+      <a:defRPr sz="1200" kern="1200">
+        <a:solidFill>
+          <a:schemeClr val="tx1"/>
+        </a:solidFill>
+        <a:latin typeface="+mn-lt"/>
+        <a:ea typeface="+mn-ea"/>
+        <a:cs typeface="+mn-cs"/>
+      </a:defRPr>
+    </a:lvl2pPr>
+    <a:lvl3pPr marL="914400" algn="l" defTabSz="914400" rtl="0" eaLnBrk="1" latinLnBrk="0" hangingPunct="1">
+      <a:defRPr sz="1200" kern="1200">
+        <a:solidFill>
+          <a:schemeClr val="tx1"/>
+        </a:solidFill>
+        <a:latin typeface="+mn-lt"/>
+        <a:ea typeface="+mn-ea"/>
+        <a:cs typeface="+mn-cs"/>
+      </a:defRPr>
+    </a:lvl3pPr>
+    <a:lvl4pPr marL="1371600" algn="l" defTabSz="914400" rtl="0" eaLnBrk="1" latinLnBrk="0" hangingPunct="1">
+      <a:defRPr sz="1200" kern="1200">
+        <a:solidFill>
+          <a:schemeClr val="tx1"/>
+        </a:solidFill>
+        <a:latin typeface="+mn-lt"/>
+        <a:ea typeface="+mn-ea"/>
+        <a:cs typeface="+mn-cs"/>
+      </a:defRPr>
+    </a:lvl4pPr>
+    <a:lvl5pPr marL="1828800" algn="l" defTabSz="914400" rtl="0" eaLnBrk="1" latinLnBrk="0" hangingPunct="1">
+      <a:defRPr sz="1200" kern="1200">
+        <a:solidFill>
+          <a:schemeClr val="tx1"/>
+        </a:solidFill>
+        <a:latin typeface="+mn-lt"/>
+        <a:ea typeface="+mn-ea"/>
+        <a:cs typeface="+mn-cs"/>
+      </a:defRPr>
+    </a:lvl5pPr>
+    <a:lvl6pPr marL="2286000" algn="l" defTabSz="914400" rtl="0" eaLnBrk="1" latinLnBrk="0" hangingPunct="1">
+      <a:defRPr sz="1200" kern="1200">
+        <a:solidFill>
+          <a:schemeClr val="tx1"/>
+        </a:solidFill>
+        <a:latin typeface="+mn-lt"/>
+        <a:ea typeface="+mn-ea"/>
+        <a:cs typeface="+mn-cs"/>
+      </a:defRPr>
+    </a:lvl6pPr>
+    <a:lvl7pPr marL="2743200" algn="l" defTabSz="914400" rtl="0" eaLnBrk="1" latinLnBrk="0" hangingPunct="1">
+      <a:defRPr sz="1200" kern="1200">
+        <a:solidFill>
+          <a:schemeClr val="tx1"/>
+        </a:solidFill>
+        <a:latin typeface="+mn-lt"/>
+        <a:ea typeface="+mn-ea"/>
+        <a:cs typeface="+mn-cs"/>
+      </a:defRPr>
+    </a:lvl7pPr>
+    <a:lvl8pPr marL="3200400" algn="l" defTabSz="914400" rtl="0" eaLnBrk="1" latinLnBrk="0" hangingPunct="1">
+      <a:defRPr sz="1200" kern="1200">
+        <a:solidFill>
+          <a:schemeClr val="tx1"/>
+        </a:solidFill>
+        <a:latin typeface="+mn-lt"/>
+        <a:ea typeface="+mn-ea"/>
+        <a:cs typeface="+mn-cs"/>
+      </a:defRPr>
+    </a:lvl8pPr>
+    <a:lvl9pPr marL="3657600" algn="l" defTabSz="914400" rtl="0" eaLnBrk="1" latinLnBrk="0" hangingPunct="1">
+      <a:defRPr sz="1200" kern="1200">
+        <a:solidFill>
+          <a:schemeClr val="tx1"/>
+        </a:solidFill>
+        <a:latin typeface="+mn-lt"/>
+        <a:ea typeface="+mn-ea"/>
+        <a:cs typeface="+mn-cs"/>
+      </a:defRPr>
+    </a:lvl9pPr>
+  </p:notesStyle>
+</p:notesMaster>
+</file>
+
+<file path=ppt/notesSlides/notesSlide1.xml><?xml version="1.0" encoding="utf-8"?>
+<p:notes xmlns:a="http://schemas.openxmlformats.org/drawingml/2006/main" xmlns:r="http://schemas.openxmlformats.org/officeDocument/2006/relationships" xmlns:p="http://schemas.openxmlformats.org/presentationml/2006/main">
+  <p:cSld>
+    <p:spTree>
+      <p:nvGrpSpPr>
+        <p:cNvPr id="1" name=""/>
+        <p:cNvGrpSpPr/>
+        <p:nvPr/>
+      </p:nvGrpSpPr>
+      <p:grpSpPr>
+        <a:xfrm>
+          <a:off x="0" y="0"/>
+          <a:ext cx="0" cy="0"/>
+          <a:chOff x="0" y="0"/>
+          <a:chExt cx="0" cy="0"/>
+        </a:xfrm>
+      </p:grpSpPr>
+      <p:sp>
+        <p:nvSpPr>
+          <p:cNvPr id="2" name="Slide Image Placeholder 1"/>
+          <p:cNvSpPr>
+            <a:spLocks noGrp="1" noRot="1" noChangeAspect="1"/>
+          </p:cNvSpPr>
+          <p:nvPr>
+            <p:ph type="sldImg"/>
+          </p:nvPr>
+        </p:nvSpPr>
+        <p:spPr/>
+      </p:sp>
+      <p:sp>
+        <p:nvSpPr>
+          <p:cNvPr id="3" name="Notes Placeholder 2"/>
+          <p:cNvSpPr>
+            <a:spLocks noGrp="1"/>
+          </p:cNvSpPr>
+          <p:nvPr>
+            <p:ph type="body" idx="1"/>
+          </p:nvPr>
+        </p:nvSpPr>
+        <p:spPr/>
+        <p:txBody>
+          <a:bodyPr/>
+          <a:lstStyle/>
+          <a:p>
+            <a:r>
+              <a:rPr lang="en-US" dirty="0"/>
+              <a:t>Vexing BI problems</a:t>
+            </a:r>
+          </a:p>
+          <a:p>
+            <a:r>
+              <a:rPr lang="en-US" dirty="0"/>
+              <a:t>ROI + Adoption: How do we increase ROI?</a:t>
+            </a:r>
+          </a:p>
+          <a:p>
+            <a:r>
+              <a:rPr lang="en-US" dirty="0"/>
+              <a:t>What can help? Best practices from other fields!</a:t>
+            </a:r>
+          </a:p>
+          <a:p>
+            <a:r>
+              <a:rPr lang="en-US" dirty="0"/>
+              <a:t>The BI Iceberg</a:t>
+            </a:r>
+          </a:p>
+          <a:p>
+            <a:r>
+              <a:rPr lang="en-US" dirty="0"/>
+              <a:t>Lean</a:t>
+            </a:r>
+          </a:p>
+          <a:p>
+            <a:r>
+              <a:rPr lang="en-US" dirty="0"/>
+              <a:t>Wireframing</a:t>
+            </a:r>
+          </a:p>
+          <a:p>
+            <a:r>
+              <a:rPr lang="en-US" dirty="0"/>
+              <a:t>Lean BI process</a:t>
+            </a:r>
+          </a:p>
+          <a:p>
+            <a:r>
+              <a:rPr lang="en-US" dirty="0"/>
+              <a:t>Agentic design</a:t>
+            </a:r>
+          </a:p>
+          <a:p>
+            <a:r>
+              <a:rPr lang="en-US" dirty="0"/>
+              <a:t>Principles: "Way to think“, Set of steps / algo, Modular, Extensible </a:t>
+            </a:r>
+          </a:p>
+          <a:p>
+            <a:r>
+              <a:rPr lang="en-US" dirty="0"/>
+              <a:t>Modular - individually optimizable</a:t>
+            </a:r>
+          </a:p>
+          <a:p>
+            <a:r>
+              <a:rPr lang="en-US" dirty="0"/>
+              <a:t>Extensible with extension points - show an example with a chart chooser</a:t>
+            </a:r>
+          </a:p>
+          <a:p>
+            <a:r>
+              <a:rPr lang="en-US" dirty="0"/>
+              <a:t>- importance</a:t>
+            </a:r>
+          </a:p>
+          <a:p>
+            <a:r>
+              <a:rPr lang="en-US" dirty="0"/>
+              <a:t>Design with </a:t>
+            </a:r>
+            <a:r>
+              <a:rPr lang="en-US" dirty="0" err="1"/>
+              <a:t>claude</a:t>
+            </a:r>
+            <a:r>
+              <a:rPr lang="en-US" dirty="0"/>
+              <a:t> or n8n</a:t>
+            </a:r>
+          </a:p>
+          <a:p>
+            <a:r>
+              <a:rPr lang="en-US" dirty="0"/>
+              <a:t>Screenshots of the process</a:t>
+            </a:r>
+          </a:p>
+          <a:p>
+            <a:r>
+              <a:rPr lang="en-US" dirty="0"/>
+              <a:t>Outputs</a:t>
+            </a:r>
+          </a:p>
+          <a:p>
+            <a:r>
+              <a:rPr lang="en-US" dirty="0"/>
+              <a:t>Playing with boxes</a:t>
+            </a:r>
+          </a:p>
+          <a:p>
+            <a:r>
+              <a:rPr lang="en-US" dirty="0"/>
+              <a:t>Q&amp;A</a:t>
+            </a:r>
+          </a:p>
+          <a:p>
+            <a:endParaRPr lang="en-IN" dirty="0"/>
+          </a:p>
+        </p:txBody>
+      </p:sp>
+      <p:sp>
+        <p:nvSpPr>
+          <p:cNvPr id="4" name="Slide Number Placeholder 3"/>
+          <p:cNvSpPr>
+            <a:spLocks noGrp="1"/>
+          </p:cNvSpPr>
+          <p:nvPr>
+            <p:ph type="sldNum" sz="quarter" idx="5"/>
+          </p:nvPr>
+        </p:nvSpPr>
+        <p:spPr/>
+        <p:txBody>
+          <a:bodyPr/>
+          <a:lstStyle/>
+          <a:p>
+            <a:fld id="{8C6E81EF-1407-4F51-9B73-3F3C66F5DC34}" type="slidenum">
+              <a:rPr lang="en-IN" smtClean="0"/>
+              <a:t>1</a:t>
+            </a:fld>
+            <a:endParaRPr lang="en-IN"/>
+          </a:p>
+        </p:txBody>
+      </p:sp>
+    </p:spTree>
+    <p:extLst>
+      <p:ext uri="{BB962C8B-B14F-4D97-AF65-F5344CB8AC3E}">
+        <p14:creationId xmlns:p14="http://schemas.microsoft.com/office/powerpoint/2010/main" val="1684432201"/>
+      </p:ext>
+    </p:extLst>
+  </p:cSld>
+  <p:clrMapOvr>
+    <a:masterClrMapping/>
+  </p:clrMapOvr>
+</p:notes>
+</file>
+
+<file path=ppt/notesSlides/notesSlide2.xml><?xml version="1.0" encoding="utf-8"?>
+<p:notes xmlns:a="http://schemas.openxmlformats.org/drawingml/2006/main" xmlns:r="http://schemas.openxmlformats.org/officeDocument/2006/relationships" xmlns:p="http://schemas.openxmlformats.org/presentationml/2006/main">
+  <p:cSld>
+    <p:spTree>
+      <p:nvGrpSpPr>
+        <p:cNvPr id="1" name=""/>
+        <p:cNvGrpSpPr/>
+        <p:nvPr/>
+      </p:nvGrpSpPr>
+      <p:grpSpPr>
+        <a:xfrm>
+          <a:off x="0" y="0"/>
+          <a:ext cx="0" cy="0"/>
+          <a:chOff x="0" y="0"/>
+          <a:chExt cx="0" cy="0"/>
+        </a:xfrm>
+      </p:grpSpPr>
+      <p:sp>
+        <p:nvSpPr>
+          <p:cNvPr id="2" name="Slide Image Placeholder 1"/>
+          <p:cNvSpPr>
+            <a:spLocks noGrp="1" noRot="1" noChangeAspect="1"/>
+          </p:cNvSpPr>
+          <p:nvPr>
+            <p:ph type="sldImg"/>
+          </p:nvPr>
+        </p:nvSpPr>
+        <p:spPr/>
+      </p:sp>
+      <p:sp>
+        <p:nvSpPr>
+          <p:cNvPr id="3" name="Notes Placeholder 2"/>
+          <p:cNvSpPr>
+            <a:spLocks noGrp="1"/>
+          </p:cNvSpPr>
+          <p:nvPr>
+            <p:ph type="body" idx="1"/>
+          </p:nvPr>
+        </p:nvSpPr>
+        <p:spPr/>
+        <p:txBody>
+          <a:bodyPr/>
+          <a:lstStyle/>
+          <a:p>
+            <a:endParaRPr lang="en-IN" dirty="0"/>
+          </a:p>
+        </p:txBody>
+      </p:sp>
+      <p:sp>
+        <p:nvSpPr>
+          <p:cNvPr id="4" name="Slide Number Placeholder 3"/>
+          <p:cNvSpPr>
+            <a:spLocks noGrp="1"/>
+          </p:cNvSpPr>
+          <p:nvPr>
+            <p:ph type="sldNum" sz="quarter" idx="5"/>
+          </p:nvPr>
+        </p:nvSpPr>
+        <p:spPr/>
+        <p:txBody>
+          <a:bodyPr/>
+          <a:lstStyle/>
+          <a:p>
+            <a:fld id="{8C6E81EF-1407-4F51-9B73-3F3C66F5DC34}" type="slidenum">
+              <a:rPr lang="en-IN" smtClean="0"/>
+              <a:t>12</a:t>
+            </a:fld>
+            <a:endParaRPr lang="en-IN"/>
+          </a:p>
+        </p:txBody>
+      </p:sp>
+    </p:spTree>
+    <p:extLst>
+      <p:ext uri="{BB962C8B-B14F-4D97-AF65-F5344CB8AC3E}">
+        <p14:creationId xmlns:p14="http://schemas.microsoft.com/office/powerpoint/2010/main" val="2684482166"/>
+      </p:ext>
+    </p:extLst>
+  </p:cSld>
+  <p:clrMapOvr>
+    <a:masterClrMapping/>
+  </p:clrMapOvr>
+</p:notes>
+</file>
+
+<file path=ppt/notesSlides/notesSlide3.xml><?xml version="1.0" encoding="utf-8"?>
+<p:notes xmlns:a="http://schemas.openxmlformats.org/drawingml/2006/main" xmlns:r="http://schemas.openxmlformats.org/officeDocument/2006/relationships" xmlns:p="http://schemas.openxmlformats.org/presentationml/2006/main">
+  <p:cSld>
+    <p:spTree>
+      <p:nvGrpSpPr>
+        <p:cNvPr id="1" name="">
+          <a:extLst>
+            <a:ext uri="{FF2B5EF4-FFF2-40B4-BE49-F238E27FC236}">
+              <a16:creationId xmlns:a16="http://schemas.microsoft.com/office/drawing/2014/main" id="{5DCF9D4B-801F-B545-2642-B159848F6807}"/>
+            </a:ext>
+          </a:extLst>
+        </p:cNvPr>
+        <p:cNvGrpSpPr/>
+        <p:nvPr/>
+      </p:nvGrpSpPr>
+      <p:grpSpPr>
+        <a:xfrm>
+          <a:off x="0" y="0"/>
+          <a:ext cx="0" cy="0"/>
+          <a:chOff x="0" y="0"/>
+          <a:chExt cx="0" cy="0"/>
+        </a:xfrm>
+      </p:grpSpPr>
+      <p:sp>
+        <p:nvSpPr>
+          <p:cNvPr id="2" name="Slide Image Placeholder 1">
+            <a:extLst>
+              <a:ext uri="{FF2B5EF4-FFF2-40B4-BE49-F238E27FC236}">
+                <a16:creationId xmlns:a16="http://schemas.microsoft.com/office/drawing/2014/main" id="{F7A77667-285B-6519-D84E-00C57E22BB20}"/>
+              </a:ext>
+            </a:extLst>
+          </p:cNvPr>
+          <p:cNvSpPr>
+            <a:spLocks noGrp="1" noRot="1" noChangeAspect="1"/>
+          </p:cNvSpPr>
+          <p:nvPr>
+            <p:ph type="sldImg"/>
+          </p:nvPr>
+        </p:nvSpPr>
+        <p:spPr/>
+      </p:sp>
+      <p:sp>
+        <p:nvSpPr>
+          <p:cNvPr id="3" name="Notes Placeholder 2">
+            <a:extLst>
+              <a:ext uri="{FF2B5EF4-FFF2-40B4-BE49-F238E27FC236}">
+                <a16:creationId xmlns:a16="http://schemas.microsoft.com/office/drawing/2014/main" id="{940D556C-9F99-BEB5-44D4-261AAF6F857A}"/>
+              </a:ext>
+            </a:extLst>
+          </p:cNvPr>
+          <p:cNvSpPr>
+            <a:spLocks noGrp="1"/>
+          </p:cNvSpPr>
+          <p:nvPr>
+            <p:ph type="body" idx="1"/>
+          </p:nvPr>
+        </p:nvSpPr>
+        <p:spPr/>
+        <p:txBody>
+          <a:bodyPr/>
+          <a:lstStyle/>
+          <a:p>
+            <a:endParaRPr lang="en-IN" dirty="0"/>
+          </a:p>
+        </p:txBody>
+      </p:sp>
+      <p:sp>
+        <p:nvSpPr>
+          <p:cNvPr id="4" name="Slide Number Placeholder 3">
+            <a:extLst>
+              <a:ext uri="{FF2B5EF4-FFF2-40B4-BE49-F238E27FC236}">
+                <a16:creationId xmlns:a16="http://schemas.microsoft.com/office/drawing/2014/main" id="{9AB2397E-13D0-426F-A37A-4BB8278A3F79}"/>
+              </a:ext>
+            </a:extLst>
+          </p:cNvPr>
+          <p:cNvSpPr>
+            <a:spLocks noGrp="1"/>
+          </p:cNvSpPr>
+          <p:nvPr>
+            <p:ph type="sldNum" sz="quarter" idx="5"/>
+          </p:nvPr>
+        </p:nvSpPr>
+        <p:spPr/>
+        <p:txBody>
+          <a:bodyPr/>
+          <a:lstStyle/>
+          <a:p>
+            <a:fld id="{8C6E81EF-1407-4F51-9B73-3F3C66F5DC34}" type="slidenum">
+              <a:rPr lang="en-IN" smtClean="0"/>
+              <a:t>32</a:t>
+            </a:fld>
+            <a:endParaRPr lang="en-IN"/>
+          </a:p>
+        </p:txBody>
+      </p:sp>
+    </p:spTree>
+    <p:extLst>
+      <p:ext uri="{BB962C8B-B14F-4D97-AF65-F5344CB8AC3E}">
+        <p14:creationId xmlns:p14="http://schemas.microsoft.com/office/powerpoint/2010/main" val="3110770776"/>
+      </p:ext>
+    </p:extLst>
+  </p:cSld>
+  <p:clrMapOvr>
+    <a:masterClrMapping/>
+  </p:clrMapOvr>
+</p:notes>
+</file>
+
 <file path=ppt/slideLayouts/slideLayout1.xml><?xml version="1.0" encoding="utf-8"?>
 <p:sldLayout xmlns:a="http://schemas.openxmlformats.org/drawingml/2006/main" xmlns:r="http://schemas.openxmlformats.org/officeDocument/2006/relationships" xmlns:p="http://schemas.openxmlformats.org/presentationml/2006/main" type="title" preserve="1">
   <p:cSld name="Title Slide">
@@ -293,7 +1033,7 @@
           <a:p>
             <a:fld id="{57B48374-0C08-4B9A-B7D9-E2D11E06DF1D}" type="datetimeFigureOut">
               <a:rPr lang="en-IN" smtClean="0"/>
-              <a:t>05-12-2025</a:t>
+              <a:t>11-12-2025</a:t>
             </a:fld>
             <a:endParaRPr lang="en-IN"/>
           </a:p>
@@ -493,7 +1233,7 @@
           <a:p>
             <a:fld id="{57B48374-0C08-4B9A-B7D9-E2D11E06DF1D}" type="datetimeFigureOut">
               <a:rPr lang="en-IN" smtClean="0"/>
-              <a:t>05-12-2025</a:t>
+              <a:t>11-12-2025</a:t>
             </a:fld>
             <a:endParaRPr lang="en-IN"/>
           </a:p>
@@ -703,7 +1443,7 @@
           <a:p>
             <a:fld id="{57B48374-0C08-4B9A-B7D9-E2D11E06DF1D}" type="datetimeFigureOut">
               <a:rPr lang="en-IN" smtClean="0"/>
-              <a:t>05-12-2025</a:t>
+              <a:t>11-12-2025</a:t>
             </a:fld>
             <a:endParaRPr lang="en-IN"/>
           </a:p>
@@ -903,7 +1643,7 @@
           <a:p>
             <a:fld id="{57B48374-0C08-4B9A-B7D9-E2D11E06DF1D}" type="datetimeFigureOut">
               <a:rPr lang="en-IN" smtClean="0"/>
-              <a:t>05-12-2025</a:t>
+              <a:t>11-12-2025</a:t>
             </a:fld>
             <a:endParaRPr lang="en-IN"/>
           </a:p>
@@ -1179,7 +1919,7 @@
           <a:p>
             <a:fld id="{57B48374-0C08-4B9A-B7D9-E2D11E06DF1D}" type="datetimeFigureOut">
               <a:rPr lang="en-IN" smtClean="0"/>
-              <a:t>05-12-2025</a:t>
+              <a:t>11-12-2025</a:t>
             </a:fld>
             <a:endParaRPr lang="en-IN"/>
           </a:p>
@@ -1447,7 +2187,7 @@
           <a:p>
             <a:fld id="{57B48374-0C08-4B9A-B7D9-E2D11E06DF1D}" type="datetimeFigureOut">
               <a:rPr lang="en-IN" smtClean="0"/>
-              <a:t>05-12-2025</a:t>
+              <a:t>11-12-2025</a:t>
             </a:fld>
             <a:endParaRPr lang="en-IN"/>
           </a:p>
@@ -1862,7 +2602,7 @@
           <a:p>
             <a:fld id="{57B48374-0C08-4B9A-B7D9-E2D11E06DF1D}" type="datetimeFigureOut">
               <a:rPr lang="en-IN" smtClean="0"/>
-              <a:t>05-12-2025</a:t>
+              <a:t>11-12-2025</a:t>
             </a:fld>
             <a:endParaRPr lang="en-IN"/>
           </a:p>
@@ -2004,7 +2744,7 @@
           <a:p>
             <a:fld id="{57B48374-0C08-4B9A-B7D9-E2D11E06DF1D}" type="datetimeFigureOut">
               <a:rPr lang="en-IN" smtClean="0"/>
-              <a:t>05-12-2025</a:t>
+              <a:t>11-12-2025</a:t>
             </a:fld>
             <a:endParaRPr lang="en-IN"/>
           </a:p>
@@ -2117,7 +2857,7 @@
           <a:p>
             <a:fld id="{57B48374-0C08-4B9A-B7D9-E2D11E06DF1D}" type="datetimeFigureOut">
               <a:rPr lang="en-IN" smtClean="0"/>
-              <a:t>05-12-2025</a:t>
+              <a:t>11-12-2025</a:t>
             </a:fld>
             <a:endParaRPr lang="en-IN"/>
           </a:p>
@@ -2430,7 +3170,7 @@
           <a:p>
             <a:fld id="{57B48374-0C08-4B9A-B7D9-E2D11E06DF1D}" type="datetimeFigureOut">
               <a:rPr lang="en-IN" smtClean="0"/>
-              <a:t>05-12-2025</a:t>
+              <a:t>11-12-2025</a:t>
             </a:fld>
             <a:endParaRPr lang="en-IN"/>
           </a:p>
@@ -2719,7 +3459,7 @@
           <a:p>
             <a:fld id="{57B48374-0C08-4B9A-B7D9-E2D11E06DF1D}" type="datetimeFigureOut">
               <a:rPr lang="en-IN" smtClean="0"/>
-              <a:t>05-12-2025</a:t>
+              <a:t>11-12-2025</a:t>
             </a:fld>
             <a:endParaRPr lang="en-IN"/>
           </a:p>
@@ -2962,7 +3702,7 @@
           <a:p>
             <a:fld id="{57B48374-0C08-4B9A-B7D9-E2D11E06DF1D}" type="datetimeFigureOut">
               <a:rPr lang="en-IN" smtClean="0"/>
-              <a:t>05-12-2025</a:t>
+              <a:t>11-12-2025</a:t>
             </a:fld>
             <a:endParaRPr lang="en-IN"/>
           </a:p>
@@ -3440,7 +4180,7 @@
           <a:p>
             <a:r>
               <a:rPr lang="en-US" dirty="0">
-                <a:hlinkClick r:id="rId2"/>
+                <a:hlinkClick r:id="rId3"/>
               </a:rPr>
               <a:t>https://github.com/vikramnayak-com/lean-bi</a:t>
             </a:r>
@@ -3465,6 +4205,156 @@
 </file>
 
 <file path=ppt/slides/slide10.xml><?xml version="1.0" encoding="utf-8"?>
+<p:sld xmlns:a="http://schemas.openxmlformats.org/drawingml/2006/main" xmlns:r="http://schemas.openxmlformats.org/officeDocument/2006/relationships" xmlns:p="http://schemas.openxmlformats.org/presentationml/2006/main">
+  <p:cSld>
+    <p:spTree>
+      <p:nvGrpSpPr>
+        <p:cNvPr id="1" name="">
+          <a:extLst>
+            <a:ext uri="{FF2B5EF4-FFF2-40B4-BE49-F238E27FC236}">
+              <a16:creationId xmlns:a16="http://schemas.microsoft.com/office/drawing/2014/main" id="{949F146A-0619-D4B5-BBD8-1B34D361576F}"/>
+            </a:ext>
+          </a:extLst>
+        </p:cNvPr>
+        <p:cNvGrpSpPr/>
+        <p:nvPr/>
+      </p:nvGrpSpPr>
+      <p:grpSpPr>
+        <a:xfrm>
+          <a:off x="0" y="0"/>
+          <a:ext cx="0" cy="0"/>
+          <a:chOff x="0" y="0"/>
+          <a:chExt cx="0" cy="0"/>
+        </a:xfrm>
+      </p:grpSpPr>
+      <p:sp>
+        <p:nvSpPr>
+          <p:cNvPr id="2" name="Title 1">
+            <a:extLst>
+              <a:ext uri="{FF2B5EF4-FFF2-40B4-BE49-F238E27FC236}">
+                <a16:creationId xmlns:a16="http://schemas.microsoft.com/office/drawing/2014/main" id="{994E6D9D-2F51-24EE-910C-C7EA2EDE30DD}"/>
+              </a:ext>
+            </a:extLst>
+          </p:cNvPr>
+          <p:cNvSpPr>
+            <a:spLocks noGrp="1"/>
+          </p:cNvSpPr>
+          <p:nvPr>
+            <p:ph type="title"/>
+          </p:nvPr>
+        </p:nvSpPr>
+        <p:spPr/>
+        <p:txBody>
+          <a:bodyPr/>
+          <a:lstStyle/>
+          <a:p>
+            <a:r>
+              <a:rPr lang="en-US" dirty="0"/>
+              <a:t>How does wireframing fit in with Lean BI?</a:t>
+            </a:r>
+          </a:p>
+        </p:txBody>
+      </p:sp>
+      <p:sp>
+        <p:nvSpPr>
+          <p:cNvPr id="3" name="Content Placeholder 2">
+            <a:extLst>
+              <a:ext uri="{FF2B5EF4-FFF2-40B4-BE49-F238E27FC236}">
+                <a16:creationId xmlns:a16="http://schemas.microsoft.com/office/drawing/2014/main" id="{1515FBDC-31E9-8748-1050-6D57D9F3EA7D}"/>
+              </a:ext>
+            </a:extLst>
+          </p:cNvPr>
+          <p:cNvSpPr>
+            <a:spLocks noGrp="1"/>
+          </p:cNvSpPr>
+          <p:nvPr>
+            <p:ph idx="1"/>
+          </p:nvPr>
+        </p:nvSpPr>
+        <p:spPr>
+          <a:xfrm>
+            <a:off x="838200" y="1825624"/>
+            <a:ext cx="10515600" cy="4586605"/>
+          </a:xfrm>
+        </p:spPr>
+        <p:txBody>
+          <a:bodyPr>
+            <a:normAutofit/>
+          </a:bodyPr>
+          <a:lstStyle/>
+          <a:p>
+            <a:r>
+              <a:rPr lang="en-US" dirty="0"/>
+              <a:t>Shows a mirror both upstream and downstream</a:t>
+            </a:r>
+          </a:p>
+          <a:p>
+            <a:pPr lvl="1"/>
+            <a:r>
+              <a:rPr lang="en-US" sz="2000" dirty="0"/>
+              <a:t>Creates a traceable chain: interview -&gt; requirements -&gt; spec -&gt; wireframe -&gt; dashboard + data model</a:t>
+            </a:r>
+          </a:p>
+          <a:p>
+            <a:pPr lvl="1"/>
+            <a:r>
+              <a:rPr lang="en-US" sz="2000" dirty="0"/>
+              <a:t>Shows the weak links in the chain</a:t>
+            </a:r>
+          </a:p>
+          <a:p>
+            <a:endParaRPr lang="en-US" dirty="0"/>
+          </a:p>
+          <a:p>
+            <a:r>
+              <a:rPr lang="en-US" dirty="0"/>
+              <a:t>Creates the engagement and involvement that drives success. Stakeholders and users:</a:t>
+            </a:r>
+          </a:p>
+          <a:p>
+            <a:pPr lvl="2"/>
+            <a:r>
+              <a:rPr lang="en-US" dirty="0"/>
+              <a:t>Are involved throughout the process</a:t>
+            </a:r>
+          </a:p>
+          <a:p>
+            <a:pPr lvl="2"/>
+            <a:r>
+              <a:rPr lang="en-US" dirty="0"/>
+              <a:t>See progress</a:t>
+            </a:r>
+          </a:p>
+          <a:p>
+            <a:pPr lvl="2"/>
+            <a:r>
+              <a:rPr lang="en-US" dirty="0"/>
+              <a:t>Feel like co-owners</a:t>
+            </a:r>
+          </a:p>
+          <a:p>
+            <a:pPr lvl="2"/>
+            <a:r>
+              <a:rPr lang="en-US" dirty="0"/>
+              <a:t>Are invested</a:t>
+            </a:r>
+          </a:p>
+        </p:txBody>
+      </p:sp>
+    </p:spTree>
+    <p:extLst>
+      <p:ext uri="{BB962C8B-B14F-4D97-AF65-F5344CB8AC3E}">
+        <p14:creationId xmlns:p14="http://schemas.microsoft.com/office/powerpoint/2010/main" val="822732233"/>
+      </p:ext>
+    </p:extLst>
+  </p:cSld>
+  <p:clrMapOvr>
+    <a:masterClrMapping/>
+  </p:clrMapOvr>
+</p:sld>
+</file>
+
+<file path=ppt/slides/slide11.xml><?xml version="1.0" encoding="utf-8"?>
 <p:sld xmlns:a="http://schemas.openxmlformats.org/drawingml/2006/main" xmlns:r="http://schemas.openxmlformats.org/officeDocument/2006/relationships" xmlns:p="http://schemas.openxmlformats.org/presentationml/2006/main">
   <p:cSld>
     <p:spTree>
@@ -3555,20 +4445,27 @@
           <a:p>
             <a:r>
               <a:rPr lang="en-US" dirty="0"/>
-              <a:t>Levels: sketch, wireframe, prototype</a:t>
+              <a:t>Levels of fidelity: </a:t>
             </a:r>
             <a:br>
               <a:rPr lang="en-US" dirty="0"/>
             </a:br>
             <a:r>
               <a:rPr lang="en-US" dirty="0"/>
+              <a:t>sketch, wireframe, prototype</a:t>
+            </a:r>
+            <a:br>
+              <a:rPr lang="en-US" dirty="0"/>
+            </a:br>
+            <a:r>
+              <a:rPr lang="en-US" dirty="0"/>
               <a:t>	</a:t>
             </a:r>
           </a:p>
           <a:p>
             <a:r>
               <a:rPr lang="en-US" dirty="0"/>
-              <a:t>Level up: </a:t>
+              <a:t>Levelling up: </a:t>
             </a:r>
           </a:p>
           <a:p>
@@ -3654,7 +4551,7 @@
 </p:sld>
 </file>
 
-<file path=ppt/slides/slide11.xml><?xml version="1.0" encoding="utf-8"?>
+<file path=ppt/slides/slide12.xml><?xml version="1.0" encoding="utf-8"?>
 <p:sld xmlns:a="http://schemas.openxmlformats.org/drawingml/2006/main" xmlns:r="http://schemas.openxmlformats.org/officeDocument/2006/relationships" xmlns:p="http://schemas.openxmlformats.org/presentationml/2006/main">
   <p:cSld>
     <p:spTree>
@@ -3759,7 +4656,7 @@
                   <a:schemeClr val="accent1"/>
                 </a:solidFill>
               </a:rPr>
-              <a:t>1. Discovery Interviews</a:t>
+              <a:t>1. Discovery Interviews + Eval</a:t>
             </a:r>
           </a:p>
         </p:txBody>
@@ -4505,7 +5402,138 @@
 </p:sld>
 </file>
 
-<file path=ppt/slides/slide12.xml><?xml version="1.0" encoding="utf-8"?>
+<file path=ppt/slides/slide13.xml><?xml version="1.0" encoding="utf-8"?>
+<p:sld xmlns:a="http://schemas.openxmlformats.org/drawingml/2006/main" xmlns:r="http://schemas.openxmlformats.org/officeDocument/2006/relationships" xmlns:p="http://schemas.openxmlformats.org/presentationml/2006/main">
+  <p:cSld>
+    <p:spTree>
+      <p:nvGrpSpPr>
+        <p:cNvPr id="1" name="">
+          <a:extLst>
+            <a:ext uri="{FF2B5EF4-FFF2-40B4-BE49-F238E27FC236}">
+              <a16:creationId xmlns:a16="http://schemas.microsoft.com/office/drawing/2014/main" id="{545D0C1F-5F69-1136-C0F7-A95B60B463EA}"/>
+            </a:ext>
+          </a:extLst>
+        </p:cNvPr>
+        <p:cNvGrpSpPr/>
+        <p:nvPr/>
+      </p:nvGrpSpPr>
+      <p:grpSpPr>
+        <a:xfrm>
+          <a:off x="0" y="0"/>
+          <a:ext cx="0" cy="0"/>
+          <a:chOff x="0" y="0"/>
+          <a:chExt cx="0" cy="0"/>
+        </a:xfrm>
+      </p:grpSpPr>
+      <p:sp>
+        <p:nvSpPr>
+          <p:cNvPr id="2" name="Title 1">
+            <a:extLst>
+              <a:ext uri="{FF2B5EF4-FFF2-40B4-BE49-F238E27FC236}">
+                <a16:creationId xmlns:a16="http://schemas.microsoft.com/office/drawing/2014/main" id="{778E74C9-93EE-0FC0-A468-69FF6A2A0938}"/>
+              </a:ext>
+            </a:extLst>
+          </p:cNvPr>
+          <p:cNvSpPr>
+            <a:spLocks noGrp="1"/>
+          </p:cNvSpPr>
+          <p:nvPr>
+            <p:ph type="title"/>
+          </p:nvPr>
+        </p:nvSpPr>
+        <p:spPr/>
+        <p:txBody>
+          <a:bodyPr/>
+          <a:lstStyle/>
+          <a:p>
+            <a:r>
+              <a:rPr lang="en-US" dirty="0"/>
+              <a:t>Fun fact: this is highly AI-compatible</a:t>
+            </a:r>
+            <a:endParaRPr lang="en-IN" dirty="0"/>
+          </a:p>
+        </p:txBody>
+      </p:sp>
+      <p:sp>
+        <p:nvSpPr>
+          <p:cNvPr id="3" name="Content Placeholder 2">
+            <a:extLst>
+              <a:ext uri="{FF2B5EF4-FFF2-40B4-BE49-F238E27FC236}">
+                <a16:creationId xmlns:a16="http://schemas.microsoft.com/office/drawing/2014/main" id="{84AB1B57-42CA-AC1A-7E70-824ACC04DF8D}"/>
+              </a:ext>
+            </a:extLst>
+          </p:cNvPr>
+          <p:cNvSpPr>
+            <a:spLocks noGrp="1"/>
+          </p:cNvSpPr>
+          <p:nvPr>
+            <p:ph idx="1"/>
+          </p:nvPr>
+        </p:nvSpPr>
+        <p:spPr/>
+        <p:txBody>
+          <a:bodyPr>
+            <a:normAutofit/>
+          </a:bodyPr>
+          <a:lstStyle/>
+          <a:p>
+            <a:r>
+              <a:rPr lang="en-US" dirty="0"/>
+              <a:t>A cleanly defined set of steps to get good inputs and transform them into good outputs using good frameworks</a:t>
+            </a:r>
+          </a:p>
+          <a:p>
+            <a:r>
+              <a:rPr lang="en-US" dirty="0"/>
+              <a:t>Each step is an agent</a:t>
+            </a:r>
+          </a:p>
+          <a:p>
+            <a:r>
+              <a:rPr lang="en-US" dirty="0"/>
+              <a:t>The output of one step becomes the input of the next step. Can use a standardized format like JSON</a:t>
+            </a:r>
+          </a:p>
+          <a:p>
+            <a:r>
+              <a:rPr lang="en-US" dirty="0"/>
+              <a:t>System is modular - each box is individually optimizable</a:t>
+            </a:r>
+          </a:p>
+          <a:p>
+            <a:r>
+              <a:rPr lang="en-US" dirty="0"/>
+              <a:t>Each step is extensible e.g., use your own chart chooser</a:t>
+            </a:r>
+          </a:p>
+          <a:p>
+            <a:r>
+              <a:rPr lang="en-US" dirty="0"/>
+              <a:t>Design with Claude / ChatGPT “Projects”, then optimize each step, then automate with n8n</a:t>
+            </a:r>
+          </a:p>
+          <a:p>
+            <a:endParaRPr lang="en-US" dirty="0"/>
+          </a:p>
+          <a:p>
+            <a:endParaRPr lang="en-US" i="1" dirty="0"/>
+          </a:p>
+        </p:txBody>
+      </p:sp>
+    </p:spTree>
+    <p:extLst>
+      <p:ext uri="{BB962C8B-B14F-4D97-AF65-F5344CB8AC3E}">
+        <p14:creationId xmlns:p14="http://schemas.microsoft.com/office/powerpoint/2010/main" val="3287076168"/>
+      </p:ext>
+    </p:extLst>
+  </p:cSld>
+  <p:clrMapOvr>
+    <a:masterClrMapping/>
+  </p:clrMapOvr>
+</p:sld>
+</file>
+
+<file path=ppt/slides/slide14.xml><?xml version="1.0" encoding="utf-8"?>
 <p:sld xmlns:a="http://schemas.openxmlformats.org/drawingml/2006/main" xmlns:r="http://schemas.openxmlformats.org/officeDocument/2006/relationships" xmlns:p="http://schemas.openxmlformats.org/presentationml/2006/main">
   <p:cSld>
     <p:spTree>
@@ -4686,7 +5714,7 @@
 </p:sld>
 </file>
 
-<file path=ppt/slides/slide13.xml><?xml version="1.0" encoding="utf-8"?>
+<file path=ppt/slides/slide15.xml><?xml version="1.0" encoding="utf-8"?>
 <p:sld xmlns:a="http://schemas.openxmlformats.org/drawingml/2006/main" xmlns:r="http://schemas.openxmlformats.org/officeDocument/2006/relationships" xmlns:p="http://schemas.openxmlformats.org/presentationml/2006/main">
   <p:cSld>
     <p:spTree>
@@ -4851,7 +5879,7 @@
 </p:sld>
 </file>
 
-<file path=ppt/slides/slide14.xml><?xml version="1.0" encoding="utf-8"?>
+<file path=ppt/slides/slide16.xml><?xml version="1.0" encoding="utf-8"?>
 <p:sld xmlns:a="http://schemas.openxmlformats.org/drawingml/2006/main" xmlns:r="http://schemas.openxmlformats.org/officeDocument/2006/relationships" xmlns:p="http://schemas.openxmlformats.org/presentationml/2006/main">
   <p:cSld>
     <p:spTree>
@@ -5034,7 +6062,7 @@
 </p:sld>
 </file>
 
-<file path=ppt/slides/slide15.xml><?xml version="1.0" encoding="utf-8"?>
+<file path=ppt/slides/slide17.xml><?xml version="1.0" encoding="utf-8"?>
 <p:sld xmlns:a="http://schemas.openxmlformats.org/drawingml/2006/main" xmlns:r="http://schemas.openxmlformats.org/officeDocument/2006/relationships" xmlns:p="http://schemas.openxmlformats.org/presentationml/2006/main">
   <p:cSld>
     <p:spTree>
@@ -5171,7 +6199,7 @@
 </p:sld>
 </file>
 
-<file path=ppt/slides/slide16.xml><?xml version="1.0" encoding="utf-8"?>
+<file path=ppt/slides/slide18.xml><?xml version="1.0" encoding="utf-8"?>
 <p:sld xmlns:a="http://schemas.openxmlformats.org/drawingml/2006/main" xmlns:r="http://schemas.openxmlformats.org/officeDocument/2006/relationships" xmlns:p="http://schemas.openxmlformats.org/presentationml/2006/main">
   <p:cSld>
     <p:spTree>
@@ -5376,7 +6404,7 @@
 </p:sld>
 </file>
 
-<file path=ppt/slides/slide17.xml><?xml version="1.0" encoding="utf-8"?>
+<file path=ppt/slides/slide19.xml><?xml version="1.0" encoding="utf-8"?>
 <p:sld xmlns:a="http://schemas.openxmlformats.org/drawingml/2006/main" xmlns:r="http://schemas.openxmlformats.org/officeDocument/2006/relationships" xmlns:p="http://schemas.openxmlformats.org/presentationml/2006/main">
   <p:cSld>
     <p:spTree>
@@ -5508,356 +6536,6 @@
     <p:extLst>
       <p:ext uri="{BB962C8B-B14F-4D97-AF65-F5344CB8AC3E}">
         <p14:creationId xmlns:p14="http://schemas.microsoft.com/office/powerpoint/2010/main" val="245395671"/>
-      </p:ext>
-    </p:extLst>
-  </p:cSld>
-  <p:clrMapOvr>
-    <a:masterClrMapping/>
-  </p:clrMapOvr>
-</p:sld>
-</file>
-
-<file path=ppt/slides/slide18.xml><?xml version="1.0" encoding="utf-8"?>
-<p:sld xmlns:a="http://schemas.openxmlformats.org/drawingml/2006/main" xmlns:r="http://schemas.openxmlformats.org/officeDocument/2006/relationships" xmlns:p="http://schemas.openxmlformats.org/presentationml/2006/main">
-  <p:cSld>
-    <p:spTree>
-      <p:nvGrpSpPr>
-        <p:cNvPr id="1" name="">
-          <a:extLst>
-            <a:ext uri="{FF2B5EF4-FFF2-40B4-BE49-F238E27FC236}">
-              <a16:creationId xmlns:a16="http://schemas.microsoft.com/office/drawing/2014/main" id="{521A0752-6370-FCE7-40E6-110F231D6872}"/>
-            </a:ext>
-          </a:extLst>
-        </p:cNvPr>
-        <p:cNvGrpSpPr/>
-        <p:nvPr/>
-      </p:nvGrpSpPr>
-      <p:grpSpPr>
-        <a:xfrm>
-          <a:off x="0" y="0"/>
-          <a:ext cx="0" cy="0"/>
-          <a:chOff x="0" y="0"/>
-          <a:chExt cx="0" cy="0"/>
-        </a:xfrm>
-      </p:grpSpPr>
-      <p:sp>
-        <p:nvSpPr>
-          <p:cNvPr id="2" name="Title 1">
-            <a:extLst>
-              <a:ext uri="{FF2B5EF4-FFF2-40B4-BE49-F238E27FC236}">
-                <a16:creationId xmlns:a16="http://schemas.microsoft.com/office/drawing/2014/main" id="{0E8041D6-FA9A-431A-4DE3-CA6E59F1AA2F}"/>
-              </a:ext>
-            </a:extLst>
-          </p:cNvPr>
-          <p:cNvSpPr>
-            <a:spLocks noGrp="1"/>
-          </p:cNvSpPr>
-          <p:nvPr>
-            <p:ph type="title"/>
-          </p:nvPr>
-        </p:nvSpPr>
-        <p:spPr/>
-        <p:txBody>
-          <a:bodyPr/>
-          <a:lstStyle/>
-          <a:p>
-            <a:r>
-              <a:rPr lang="en-US" dirty="0"/>
-              <a:t>4. Representation Chooser</a:t>
-            </a:r>
-          </a:p>
-        </p:txBody>
-      </p:sp>
-      <p:sp>
-        <p:nvSpPr>
-          <p:cNvPr id="3" name="Content Placeholder 2">
-            <a:extLst>
-              <a:ext uri="{FF2B5EF4-FFF2-40B4-BE49-F238E27FC236}">
-                <a16:creationId xmlns:a16="http://schemas.microsoft.com/office/drawing/2014/main" id="{6BAA3E92-E8C8-854C-662D-04259369F85A}"/>
-              </a:ext>
-            </a:extLst>
-          </p:cNvPr>
-          <p:cNvSpPr>
-            <a:spLocks noGrp="1"/>
-          </p:cNvSpPr>
-          <p:nvPr>
-            <p:ph idx="1"/>
-          </p:nvPr>
-        </p:nvSpPr>
-        <p:spPr>
-          <a:xfrm>
-            <a:off x="838200" y="1825624"/>
-            <a:ext cx="10515600" cy="4586605"/>
-          </a:xfrm>
-        </p:spPr>
-        <p:txBody>
-          <a:bodyPr>
-            <a:normAutofit lnSpcReduction="10000"/>
-          </a:bodyPr>
-          <a:lstStyle/>
-          <a:p>
-            <a:pPr marL="0" indent="0">
-              <a:buNone/>
-            </a:pPr>
-            <a:r>
-              <a:rPr lang="en-US" sz="1400" b="1" dirty="0"/>
-              <a:t>Construct</a:t>
-            </a:r>
-            <a:r>
-              <a:rPr lang="en-US" sz="1400" dirty="0"/>
-              <a:t>:</a:t>
-            </a:r>
-          </a:p>
-          <a:p>
-            <a:r>
-              <a:rPr lang="en-US" sz="1400" dirty="0"/>
-              <a:t>“Given all the details of a component, what is the best representation for it?”. Also accounts for user preferences/requests</a:t>
-            </a:r>
-            <a:br>
-              <a:rPr lang="en-US" sz="1400" dirty="0"/>
-            </a:br>
-            <a:endParaRPr lang="en-US" sz="1400" dirty="0"/>
-          </a:p>
-          <a:p>
-            <a:pPr marL="0" indent="0">
-              <a:buNone/>
-            </a:pPr>
-            <a:r>
-              <a:rPr lang="en-US" sz="1400" dirty="0"/>
-              <a:t>Type of representation</a:t>
-            </a:r>
-          </a:p>
-          <a:p>
-            <a:r>
-              <a:rPr lang="en-US" sz="1400" dirty="0"/>
-              <a:t>Chart</a:t>
-            </a:r>
-          </a:p>
-          <a:p>
-            <a:r>
-              <a:rPr lang="en-US" sz="1400" dirty="0"/>
-              <a:t>Table</a:t>
-            </a:r>
-          </a:p>
-          <a:p>
-            <a:r>
-              <a:rPr lang="en-US" sz="1400" dirty="0"/>
-              <a:t>KPI</a:t>
-            </a:r>
-          </a:p>
-          <a:p>
-            <a:r>
-              <a:rPr lang="en-US" sz="1400" dirty="0"/>
-              <a:t>Map</a:t>
-            </a:r>
-          </a:p>
-          <a:p>
-            <a:pPr marL="0" indent="0">
-              <a:buNone/>
-            </a:pPr>
-            <a:endParaRPr lang="en-US" sz="1400" dirty="0"/>
-          </a:p>
-          <a:p>
-            <a:pPr marL="0" indent="0">
-              <a:buNone/>
-            </a:pPr>
-            <a:r>
-              <a:rPr lang="en-US" sz="1400" dirty="0"/>
-              <a:t>Additional elements:</a:t>
-            </a:r>
-          </a:p>
-          <a:p>
-            <a:r>
-              <a:rPr lang="en-US" sz="1400" dirty="0"/>
-              <a:t>context elements </a:t>
-            </a:r>
-          </a:p>
-          <a:p>
-            <a:r>
-              <a:rPr lang="en-US" sz="1400" dirty="0"/>
-              <a:t>highlight / storytelling elements</a:t>
-            </a:r>
-          </a:p>
-          <a:p>
-            <a:r>
-              <a:rPr lang="en-US" sz="1400" dirty="0"/>
-              <a:t>design choices</a:t>
-            </a:r>
-            <a:br>
-              <a:rPr lang="en-US" sz="1400" dirty="0"/>
-            </a:br>
-            <a:endParaRPr lang="en-US" sz="1400" dirty="0"/>
-          </a:p>
-          <a:p>
-            <a:pPr marL="0" indent="0">
-              <a:buNone/>
-            </a:pPr>
-            <a:r>
-              <a:rPr lang="en-US" sz="1400" dirty="0"/>
-              <a:t>(Loop)</a:t>
-            </a:r>
-          </a:p>
-          <a:p>
-            <a:r>
-              <a:rPr lang="en-US" sz="1400" dirty="0"/>
-              <a:t>For each component, get a ranked list of options</a:t>
-            </a:r>
-          </a:p>
-        </p:txBody>
-      </p:sp>
-    </p:spTree>
-    <p:extLst>
-      <p:ext uri="{BB962C8B-B14F-4D97-AF65-F5344CB8AC3E}">
-        <p14:creationId xmlns:p14="http://schemas.microsoft.com/office/powerpoint/2010/main" val="1235703380"/>
-      </p:ext>
-    </p:extLst>
-  </p:cSld>
-  <p:clrMapOvr>
-    <a:masterClrMapping/>
-  </p:clrMapOvr>
-</p:sld>
-</file>
-
-<file path=ppt/slides/slide19.xml><?xml version="1.0" encoding="utf-8"?>
-<p:sld xmlns:a="http://schemas.openxmlformats.org/drawingml/2006/main" xmlns:r="http://schemas.openxmlformats.org/officeDocument/2006/relationships" xmlns:p="http://schemas.openxmlformats.org/presentationml/2006/main">
-  <p:cSld>
-    <p:spTree>
-      <p:nvGrpSpPr>
-        <p:cNvPr id="1" name="">
-          <a:extLst>
-            <a:ext uri="{FF2B5EF4-FFF2-40B4-BE49-F238E27FC236}">
-              <a16:creationId xmlns:a16="http://schemas.microsoft.com/office/drawing/2014/main" id="{62493A1B-7616-7C5E-CCCF-DC2F662A6B46}"/>
-            </a:ext>
-          </a:extLst>
-        </p:cNvPr>
-        <p:cNvGrpSpPr/>
-        <p:nvPr/>
-      </p:nvGrpSpPr>
-      <p:grpSpPr>
-        <a:xfrm>
-          <a:off x="0" y="0"/>
-          <a:ext cx="0" cy="0"/>
-          <a:chOff x="0" y="0"/>
-          <a:chExt cx="0" cy="0"/>
-        </a:xfrm>
-      </p:grpSpPr>
-      <p:sp>
-        <p:nvSpPr>
-          <p:cNvPr id="2" name="Title 1">
-            <a:extLst>
-              <a:ext uri="{FF2B5EF4-FFF2-40B4-BE49-F238E27FC236}">
-                <a16:creationId xmlns:a16="http://schemas.microsoft.com/office/drawing/2014/main" id="{CF0FA0E6-194B-40D6-07E4-78F94EE48E73}"/>
-              </a:ext>
-            </a:extLst>
-          </p:cNvPr>
-          <p:cNvSpPr>
-            <a:spLocks noGrp="1"/>
-          </p:cNvSpPr>
-          <p:nvPr>
-            <p:ph type="title"/>
-          </p:nvPr>
-        </p:nvSpPr>
-        <p:spPr/>
-        <p:txBody>
-          <a:bodyPr/>
-          <a:lstStyle/>
-          <a:p>
-            <a:r>
-              <a:rPr lang="en-US" dirty="0"/>
-              <a:t>4. Representation Chooser</a:t>
-            </a:r>
-          </a:p>
-        </p:txBody>
-      </p:sp>
-      <p:sp>
-        <p:nvSpPr>
-          <p:cNvPr id="3" name="Content Placeholder 2">
-            <a:extLst>
-              <a:ext uri="{FF2B5EF4-FFF2-40B4-BE49-F238E27FC236}">
-                <a16:creationId xmlns:a16="http://schemas.microsoft.com/office/drawing/2014/main" id="{5A9ADD4D-4B58-2E97-97F2-7A690235C88B}"/>
-              </a:ext>
-            </a:extLst>
-          </p:cNvPr>
-          <p:cNvSpPr>
-            <a:spLocks noGrp="1"/>
-          </p:cNvSpPr>
-          <p:nvPr>
-            <p:ph idx="1"/>
-          </p:nvPr>
-        </p:nvSpPr>
-        <p:spPr>
-          <a:xfrm>
-            <a:off x="838200" y="1825624"/>
-            <a:ext cx="10515600" cy="4586605"/>
-          </a:xfrm>
-        </p:spPr>
-        <p:txBody>
-          <a:bodyPr>
-            <a:normAutofit/>
-          </a:bodyPr>
-          <a:lstStyle/>
-          <a:p>
-            <a:r>
-              <a:rPr lang="en-US" dirty="0"/>
-              <a:t>With AI</a:t>
-            </a:r>
-            <a:br>
-              <a:rPr lang="en-US" dirty="0"/>
-            </a:br>
-            <a:endParaRPr lang="en-US" dirty="0"/>
-          </a:p>
-          <a:p>
-            <a:pPr lvl="1"/>
-            <a:r>
-              <a:rPr lang="en-US" dirty="0"/>
-              <a:t>Use data question + user preferences (if any) + decision / action to …</a:t>
-            </a:r>
-          </a:p>
-          <a:p>
-            <a:pPr lvl="1"/>
-            <a:r>
-              <a:rPr lang="en-US" dirty="0"/>
-              <a:t>Decide type of component (chart/table/KPI/map) </a:t>
-            </a:r>
-          </a:p>
-          <a:p>
-            <a:pPr lvl="1"/>
-            <a:r>
-              <a:rPr lang="en-US" dirty="0"/>
-              <a:t>Decide subtype of component (line chart, heat map, </a:t>
-            </a:r>
-            <a:r>
-              <a:rPr lang="en-US" dirty="0" err="1"/>
-              <a:t>etc</a:t>
-            </a:r>
-            <a:r>
-              <a:rPr lang="en-US" dirty="0"/>
-              <a:t>)</a:t>
-            </a:r>
-            <a:br>
-              <a:rPr lang="en-US" dirty="0"/>
-            </a:br>
-            <a:endParaRPr lang="en-US" dirty="0"/>
-          </a:p>
-          <a:p>
-            <a:r>
-              <a:rPr lang="en-US" dirty="0"/>
-              <a:t>Extension points:</a:t>
-            </a:r>
-          </a:p>
-          <a:p>
-            <a:pPr lvl="1"/>
-            <a:r>
-              <a:rPr lang="en-US" dirty="0"/>
-              <a:t>More sophisticated chart/KPI/table chooser</a:t>
-            </a:r>
-          </a:p>
-        </p:txBody>
-      </p:sp>
-    </p:spTree>
-    <p:extLst>
-      <p:ext uri="{BB962C8B-B14F-4D97-AF65-F5344CB8AC3E}">
-        <p14:creationId xmlns:p14="http://schemas.microsoft.com/office/powerpoint/2010/main" val="775345859"/>
       </p:ext>
     </p:extLst>
   </p:cSld>
@@ -5944,7 +6622,11 @@
           <a:p>
             <a:r>
               <a:rPr lang="en-US" dirty="0"/>
-              <a:t>Exploring some “vexing” BI problems</a:t>
+              <a:t>3 “vexing” BI problems from a </a:t>
+            </a:r>
+            <a:r>
+              <a:rPr lang="en-US" u="sng" dirty="0"/>
+              <a:t>business lens</a:t>
             </a:r>
           </a:p>
           <a:p>
@@ -6002,6 +6684,356 @@
 </file>
 
 <file path=ppt/slides/slide20.xml><?xml version="1.0" encoding="utf-8"?>
+<p:sld xmlns:a="http://schemas.openxmlformats.org/drawingml/2006/main" xmlns:r="http://schemas.openxmlformats.org/officeDocument/2006/relationships" xmlns:p="http://schemas.openxmlformats.org/presentationml/2006/main">
+  <p:cSld>
+    <p:spTree>
+      <p:nvGrpSpPr>
+        <p:cNvPr id="1" name="">
+          <a:extLst>
+            <a:ext uri="{FF2B5EF4-FFF2-40B4-BE49-F238E27FC236}">
+              <a16:creationId xmlns:a16="http://schemas.microsoft.com/office/drawing/2014/main" id="{521A0752-6370-FCE7-40E6-110F231D6872}"/>
+            </a:ext>
+          </a:extLst>
+        </p:cNvPr>
+        <p:cNvGrpSpPr/>
+        <p:nvPr/>
+      </p:nvGrpSpPr>
+      <p:grpSpPr>
+        <a:xfrm>
+          <a:off x="0" y="0"/>
+          <a:ext cx="0" cy="0"/>
+          <a:chOff x="0" y="0"/>
+          <a:chExt cx="0" cy="0"/>
+        </a:xfrm>
+      </p:grpSpPr>
+      <p:sp>
+        <p:nvSpPr>
+          <p:cNvPr id="2" name="Title 1">
+            <a:extLst>
+              <a:ext uri="{FF2B5EF4-FFF2-40B4-BE49-F238E27FC236}">
+                <a16:creationId xmlns:a16="http://schemas.microsoft.com/office/drawing/2014/main" id="{0E8041D6-FA9A-431A-4DE3-CA6E59F1AA2F}"/>
+              </a:ext>
+            </a:extLst>
+          </p:cNvPr>
+          <p:cNvSpPr>
+            <a:spLocks noGrp="1"/>
+          </p:cNvSpPr>
+          <p:nvPr>
+            <p:ph type="title"/>
+          </p:nvPr>
+        </p:nvSpPr>
+        <p:spPr/>
+        <p:txBody>
+          <a:bodyPr/>
+          <a:lstStyle/>
+          <a:p>
+            <a:r>
+              <a:rPr lang="en-US" dirty="0"/>
+              <a:t>4. Representation Chooser</a:t>
+            </a:r>
+          </a:p>
+        </p:txBody>
+      </p:sp>
+      <p:sp>
+        <p:nvSpPr>
+          <p:cNvPr id="3" name="Content Placeholder 2">
+            <a:extLst>
+              <a:ext uri="{FF2B5EF4-FFF2-40B4-BE49-F238E27FC236}">
+                <a16:creationId xmlns:a16="http://schemas.microsoft.com/office/drawing/2014/main" id="{6BAA3E92-E8C8-854C-662D-04259369F85A}"/>
+              </a:ext>
+            </a:extLst>
+          </p:cNvPr>
+          <p:cNvSpPr>
+            <a:spLocks noGrp="1"/>
+          </p:cNvSpPr>
+          <p:nvPr>
+            <p:ph idx="1"/>
+          </p:nvPr>
+        </p:nvSpPr>
+        <p:spPr>
+          <a:xfrm>
+            <a:off x="838200" y="1825624"/>
+            <a:ext cx="10515600" cy="4586605"/>
+          </a:xfrm>
+        </p:spPr>
+        <p:txBody>
+          <a:bodyPr>
+            <a:normAutofit lnSpcReduction="10000"/>
+          </a:bodyPr>
+          <a:lstStyle/>
+          <a:p>
+            <a:pPr marL="0" indent="0">
+              <a:buNone/>
+            </a:pPr>
+            <a:r>
+              <a:rPr lang="en-US" sz="1400" b="1" dirty="0"/>
+              <a:t>Construct</a:t>
+            </a:r>
+            <a:r>
+              <a:rPr lang="en-US" sz="1400" dirty="0"/>
+              <a:t>:</a:t>
+            </a:r>
+          </a:p>
+          <a:p>
+            <a:r>
+              <a:rPr lang="en-US" sz="1400" dirty="0"/>
+              <a:t>“Given all the details of a component, what is the best representation for it?”. Also accounts for user preferences/requests</a:t>
+            </a:r>
+            <a:br>
+              <a:rPr lang="en-US" sz="1400" dirty="0"/>
+            </a:br>
+            <a:endParaRPr lang="en-US" sz="1400" dirty="0"/>
+          </a:p>
+          <a:p>
+            <a:pPr marL="0" indent="0">
+              <a:buNone/>
+            </a:pPr>
+            <a:r>
+              <a:rPr lang="en-US" sz="1400" dirty="0"/>
+              <a:t>Type of representation</a:t>
+            </a:r>
+          </a:p>
+          <a:p>
+            <a:r>
+              <a:rPr lang="en-US" sz="1400" dirty="0"/>
+              <a:t>Chart</a:t>
+            </a:r>
+          </a:p>
+          <a:p>
+            <a:r>
+              <a:rPr lang="en-US" sz="1400" dirty="0"/>
+              <a:t>Table</a:t>
+            </a:r>
+          </a:p>
+          <a:p>
+            <a:r>
+              <a:rPr lang="en-US" sz="1400" dirty="0"/>
+              <a:t>KPI</a:t>
+            </a:r>
+          </a:p>
+          <a:p>
+            <a:r>
+              <a:rPr lang="en-US" sz="1400" dirty="0"/>
+              <a:t>Map</a:t>
+            </a:r>
+          </a:p>
+          <a:p>
+            <a:pPr marL="0" indent="0">
+              <a:buNone/>
+            </a:pPr>
+            <a:endParaRPr lang="en-US" sz="1400" dirty="0"/>
+          </a:p>
+          <a:p>
+            <a:pPr marL="0" indent="0">
+              <a:buNone/>
+            </a:pPr>
+            <a:r>
+              <a:rPr lang="en-US" sz="1400" dirty="0"/>
+              <a:t>Additional elements:</a:t>
+            </a:r>
+          </a:p>
+          <a:p>
+            <a:r>
+              <a:rPr lang="en-US" sz="1400" dirty="0"/>
+              <a:t>context elements </a:t>
+            </a:r>
+          </a:p>
+          <a:p>
+            <a:r>
+              <a:rPr lang="en-US" sz="1400" dirty="0"/>
+              <a:t>highlight / storytelling elements</a:t>
+            </a:r>
+          </a:p>
+          <a:p>
+            <a:r>
+              <a:rPr lang="en-US" sz="1400" dirty="0"/>
+              <a:t>design choices</a:t>
+            </a:r>
+            <a:br>
+              <a:rPr lang="en-US" sz="1400" dirty="0"/>
+            </a:br>
+            <a:endParaRPr lang="en-US" sz="1400" dirty="0"/>
+          </a:p>
+          <a:p>
+            <a:pPr marL="0" indent="0">
+              <a:buNone/>
+            </a:pPr>
+            <a:r>
+              <a:rPr lang="en-US" sz="1400" dirty="0"/>
+              <a:t>(Loop)</a:t>
+            </a:r>
+          </a:p>
+          <a:p>
+            <a:r>
+              <a:rPr lang="en-US" sz="1400" dirty="0"/>
+              <a:t>For each component, get a ranked list of options</a:t>
+            </a:r>
+          </a:p>
+        </p:txBody>
+      </p:sp>
+    </p:spTree>
+    <p:extLst>
+      <p:ext uri="{BB962C8B-B14F-4D97-AF65-F5344CB8AC3E}">
+        <p14:creationId xmlns:p14="http://schemas.microsoft.com/office/powerpoint/2010/main" val="1235703380"/>
+      </p:ext>
+    </p:extLst>
+  </p:cSld>
+  <p:clrMapOvr>
+    <a:masterClrMapping/>
+  </p:clrMapOvr>
+</p:sld>
+</file>
+
+<file path=ppt/slides/slide21.xml><?xml version="1.0" encoding="utf-8"?>
+<p:sld xmlns:a="http://schemas.openxmlformats.org/drawingml/2006/main" xmlns:r="http://schemas.openxmlformats.org/officeDocument/2006/relationships" xmlns:p="http://schemas.openxmlformats.org/presentationml/2006/main">
+  <p:cSld>
+    <p:spTree>
+      <p:nvGrpSpPr>
+        <p:cNvPr id="1" name="">
+          <a:extLst>
+            <a:ext uri="{FF2B5EF4-FFF2-40B4-BE49-F238E27FC236}">
+              <a16:creationId xmlns:a16="http://schemas.microsoft.com/office/drawing/2014/main" id="{62493A1B-7616-7C5E-CCCF-DC2F662A6B46}"/>
+            </a:ext>
+          </a:extLst>
+        </p:cNvPr>
+        <p:cNvGrpSpPr/>
+        <p:nvPr/>
+      </p:nvGrpSpPr>
+      <p:grpSpPr>
+        <a:xfrm>
+          <a:off x="0" y="0"/>
+          <a:ext cx="0" cy="0"/>
+          <a:chOff x="0" y="0"/>
+          <a:chExt cx="0" cy="0"/>
+        </a:xfrm>
+      </p:grpSpPr>
+      <p:sp>
+        <p:nvSpPr>
+          <p:cNvPr id="2" name="Title 1">
+            <a:extLst>
+              <a:ext uri="{FF2B5EF4-FFF2-40B4-BE49-F238E27FC236}">
+                <a16:creationId xmlns:a16="http://schemas.microsoft.com/office/drawing/2014/main" id="{CF0FA0E6-194B-40D6-07E4-78F94EE48E73}"/>
+              </a:ext>
+            </a:extLst>
+          </p:cNvPr>
+          <p:cNvSpPr>
+            <a:spLocks noGrp="1"/>
+          </p:cNvSpPr>
+          <p:nvPr>
+            <p:ph type="title"/>
+          </p:nvPr>
+        </p:nvSpPr>
+        <p:spPr/>
+        <p:txBody>
+          <a:bodyPr/>
+          <a:lstStyle/>
+          <a:p>
+            <a:r>
+              <a:rPr lang="en-US" dirty="0"/>
+              <a:t>4. Representation Chooser</a:t>
+            </a:r>
+          </a:p>
+        </p:txBody>
+      </p:sp>
+      <p:sp>
+        <p:nvSpPr>
+          <p:cNvPr id="3" name="Content Placeholder 2">
+            <a:extLst>
+              <a:ext uri="{FF2B5EF4-FFF2-40B4-BE49-F238E27FC236}">
+                <a16:creationId xmlns:a16="http://schemas.microsoft.com/office/drawing/2014/main" id="{5A9ADD4D-4B58-2E97-97F2-7A690235C88B}"/>
+              </a:ext>
+            </a:extLst>
+          </p:cNvPr>
+          <p:cNvSpPr>
+            <a:spLocks noGrp="1"/>
+          </p:cNvSpPr>
+          <p:nvPr>
+            <p:ph idx="1"/>
+          </p:nvPr>
+        </p:nvSpPr>
+        <p:spPr>
+          <a:xfrm>
+            <a:off x="838200" y="1825624"/>
+            <a:ext cx="10515600" cy="4586605"/>
+          </a:xfrm>
+        </p:spPr>
+        <p:txBody>
+          <a:bodyPr>
+            <a:normAutofit/>
+          </a:bodyPr>
+          <a:lstStyle/>
+          <a:p>
+            <a:r>
+              <a:rPr lang="en-US" dirty="0"/>
+              <a:t>With AI</a:t>
+            </a:r>
+            <a:br>
+              <a:rPr lang="en-US" dirty="0"/>
+            </a:br>
+            <a:endParaRPr lang="en-US" dirty="0"/>
+          </a:p>
+          <a:p>
+            <a:pPr lvl="1"/>
+            <a:r>
+              <a:rPr lang="en-US" dirty="0"/>
+              <a:t>Use data question + user preferences (if any) + decision / action to …</a:t>
+            </a:r>
+          </a:p>
+          <a:p>
+            <a:pPr lvl="1"/>
+            <a:r>
+              <a:rPr lang="en-US" dirty="0"/>
+              <a:t>Decide type of component (chart/table/KPI/map) </a:t>
+            </a:r>
+          </a:p>
+          <a:p>
+            <a:pPr lvl="1"/>
+            <a:r>
+              <a:rPr lang="en-US" dirty="0"/>
+              <a:t>Decide subtype of component (line chart, heat map, </a:t>
+            </a:r>
+            <a:r>
+              <a:rPr lang="en-US" dirty="0" err="1"/>
+              <a:t>etc</a:t>
+            </a:r>
+            <a:r>
+              <a:rPr lang="en-US" dirty="0"/>
+              <a:t>)</a:t>
+            </a:r>
+            <a:br>
+              <a:rPr lang="en-US" dirty="0"/>
+            </a:br>
+            <a:endParaRPr lang="en-US" dirty="0"/>
+          </a:p>
+          <a:p>
+            <a:r>
+              <a:rPr lang="en-US" dirty="0"/>
+              <a:t>Extension points:</a:t>
+            </a:r>
+          </a:p>
+          <a:p>
+            <a:pPr lvl="1"/>
+            <a:r>
+              <a:rPr lang="en-US" dirty="0"/>
+              <a:t>More sophisticated chart/KPI/table chooser</a:t>
+            </a:r>
+          </a:p>
+        </p:txBody>
+      </p:sp>
+    </p:spTree>
+    <p:extLst>
+      <p:ext uri="{BB962C8B-B14F-4D97-AF65-F5344CB8AC3E}">
+        <p14:creationId xmlns:p14="http://schemas.microsoft.com/office/powerpoint/2010/main" val="775345859"/>
+      </p:ext>
+    </p:extLst>
+  </p:cSld>
+  <p:clrMapOvr>
+    <a:masterClrMapping/>
+  </p:clrMapOvr>
+</p:sld>
+</file>
+
+<file path=ppt/slides/slide22.xml><?xml version="1.0" encoding="utf-8"?>
 <p:sld xmlns:a="http://schemas.openxmlformats.org/drawingml/2006/main" xmlns:r="http://schemas.openxmlformats.org/officeDocument/2006/relationships" xmlns:p="http://schemas.openxmlformats.org/presentationml/2006/main">
   <p:cSld>
     <p:spTree>
@@ -6217,7 +7249,7 @@
 </p:sld>
 </file>
 
-<file path=ppt/slides/slide21.xml><?xml version="1.0" encoding="utf-8"?>
+<file path=ppt/slides/slide23.xml><?xml version="1.0" encoding="utf-8"?>
 <p:sld xmlns:a="http://schemas.openxmlformats.org/drawingml/2006/main" xmlns:r="http://schemas.openxmlformats.org/officeDocument/2006/relationships" xmlns:p="http://schemas.openxmlformats.org/presentationml/2006/main">
   <p:cSld>
     <p:spTree>
@@ -6382,7 +7414,7 @@
 </p:sld>
 </file>
 
-<file path=ppt/slides/slide22.xml><?xml version="1.0" encoding="utf-8"?>
+<file path=ppt/slides/slide24.xml><?xml version="1.0" encoding="utf-8"?>
 <p:sld xmlns:a="http://schemas.openxmlformats.org/drawingml/2006/main" xmlns:r="http://schemas.openxmlformats.org/officeDocument/2006/relationships" xmlns:p="http://schemas.openxmlformats.org/presentationml/2006/main">
   <p:cSld>
     <p:spTree>
@@ -6512,7 +7544,7 @@
 </p:sld>
 </file>
 
-<file path=ppt/slides/slide23.xml><?xml version="1.0" encoding="utf-8"?>
+<file path=ppt/slides/slide25.xml><?xml version="1.0" encoding="utf-8"?>
 <p:sld xmlns:a="http://schemas.openxmlformats.org/drawingml/2006/main" xmlns:r="http://schemas.openxmlformats.org/officeDocument/2006/relationships" xmlns:p="http://schemas.openxmlformats.org/presentationml/2006/main">
   <p:cSld>
     <p:spTree>
@@ -6677,7 +7709,7 @@
 </p:sld>
 </file>
 
-<file path=ppt/slides/slide24.xml><?xml version="1.0" encoding="utf-8"?>
+<file path=ppt/slides/slide26.xml><?xml version="1.0" encoding="utf-8"?>
 <p:sld xmlns:a="http://schemas.openxmlformats.org/drawingml/2006/main" xmlns:r="http://schemas.openxmlformats.org/officeDocument/2006/relationships" xmlns:p="http://schemas.openxmlformats.org/presentationml/2006/main">
   <p:cSld>
     <p:spTree>
@@ -6859,7 +7891,7 @@
 </p:sld>
 </file>
 
-<file path=ppt/slides/slide25.xml><?xml version="1.0" encoding="utf-8"?>
+<file path=ppt/slides/slide27.xml><?xml version="1.0" encoding="utf-8"?>
 <p:sld xmlns:a="http://schemas.openxmlformats.org/drawingml/2006/main" xmlns:r="http://schemas.openxmlformats.org/officeDocument/2006/relationships" xmlns:p="http://schemas.openxmlformats.org/presentationml/2006/main">
   <p:cSld>
     <p:spTree>
@@ -7034,7 +8066,7 @@
 </p:sld>
 </file>
 
-<file path=ppt/slides/slide26.xml><?xml version="1.0" encoding="utf-8"?>
+<file path=ppt/slides/slide28.xml><?xml version="1.0" encoding="utf-8"?>
 <p:sld xmlns:a="http://schemas.openxmlformats.org/drawingml/2006/main" xmlns:r="http://schemas.openxmlformats.org/officeDocument/2006/relationships" xmlns:p="http://schemas.openxmlformats.org/presentationml/2006/main">
   <p:cSld>
     <p:spTree>
@@ -7128,7 +8160,7 @@
 </p:sld>
 </file>
 
-<file path=ppt/slides/slide27.xml><?xml version="1.0" encoding="utf-8"?>
+<file path=ppt/slides/slide29.xml><?xml version="1.0" encoding="utf-8"?>
 <p:sld xmlns:a="http://schemas.openxmlformats.org/drawingml/2006/main" xmlns:r="http://schemas.openxmlformats.org/officeDocument/2006/relationships" xmlns:p="http://schemas.openxmlformats.org/presentationml/2006/main">
   <p:cSld>
     <p:spTree>
@@ -7279,7 +8311,132 @@
 </p:sld>
 </file>
 
-<file path=ppt/slides/slide28.xml><?xml version="1.0" encoding="utf-8"?>
+<file path=ppt/slides/slide3.xml><?xml version="1.0" encoding="utf-8"?>
+<p:sld xmlns:a="http://schemas.openxmlformats.org/drawingml/2006/main" xmlns:r="http://schemas.openxmlformats.org/officeDocument/2006/relationships" xmlns:p="http://schemas.openxmlformats.org/presentationml/2006/main">
+  <p:cSld>
+    <p:spTree>
+      <p:nvGrpSpPr>
+        <p:cNvPr id="1" name="">
+          <a:extLst>
+            <a:ext uri="{FF2B5EF4-FFF2-40B4-BE49-F238E27FC236}">
+              <a16:creationId xmlns:a16="http://schemas.microsoft.com/office/drawing/2014/main" id="{85345986-3777-3407-4189-1514904C666D}"/>
+            </a:ext>
+          </a:extLst>
+        </p:cNvPr>
+        <p:cNvGrpSpPr/>
+        <p:nvPr/>
+      </p:nvGrpSpPr>
+      <p:grpSpPr>
+        <a:xfrm>
+          <a:off x="0" y="0"/>
+          <a:ext cx="0" cy="0"/>
+          <a:chOff x="0" y="0"/>
+          <a:chExt cx="0" cy="0"/>
+        </a:xfrm>
+      </p:grpSpPr>
+      <p:sp>
+        <p:nvSpPr>
+          <p:cNvPr id="2" name="Title 1">
+            <a:extLst>
+              <a:ext uri="{FF2B5EF4-FFF2-40B4-BE49-F238E27FC236}">
+                <a16:creationId xmlns:a16="http://schemas.microsoft.com/office/drawing/2014/main" id="{93CE473A-1FBA-1A95-65D0-3C77DB6899B4}"/>
+              </a:ext>
+            </a:extLst>
+          </p:cNvPr>
+          <p:cNvSpPr>
+            <a:spLocks noGrp="1"/>
+          </p:cNvSpPr>
+          <p:nvPr>
+            <p:ph type="title"/>
+          </p:nvPr>
+        </p:nvSpPr>
+        <p:spPr>
+          <a:xfrm>
+            <a:off x="838200" y="365125"/>
+            <a:ext cx="11181522" cy="1325563"/>
+          </a:xfrm>
+        </p:spPr>
+        <p:txBody>
+          <a:bodyPr/>
+          <a:lstStyle/>
+          <a:p>
+            <a:r>
+              <a:rPr lang="en-US" dirty="0"/>
+              <a:t>From a business lens, there are 3 big BI issues</a:t>
+            </a:r>
+            <a:endParaRPr lang="en-IN" dirty="0"/>
+          </a:p>
+        </p:txBody>
+      </p:sp>
+      <p:sp>
+        <p:nvSpPr>
+          <p:cNvPr id="3" name="Content Placeholder 2">
+            <a:extLst>
+              <a:ext uri="{FF2B5EF4-FFF2-40B4-BE49-F238E27FC236}">
+                <a16:creationId xmlns:a16="http://schemas.microsoft.com/office/drawing/2014/main" id="{9BE9C669-1033-F453-0FE2-812809D9C129}"/>
+              </a:ext>
+            </a:extLst>
+          </p:cNvPr>
+          <p:cNvSpPr>
+            <a:spLocks noGrp="1"/>
+          </p:cNvSpPr>
+          <p:nvPr>
+            <p:ph idx="1"/>
+          </p:nvPr>
+        </p:nvSpPr>
+        <p:spPr/>
+        <p:txBody>
+          <a:bodyPr>
+            <a:normAutofit/>
+          </a:bodyPr>
+          <a:lstStyle/>
+          <a:p>
+            <a:pPr marL="0" indent="0">
+              <a:buNone/>
+            </a:pPr>
+            <a:r>
+              <a:rPr lang="en-US" dirty="0"/>
+              <a:t>But first, some context …</a:t>
+            </a:r>
+            <a:br>
+              <a:rPr lang="en-US" dirty="0"/>
+            </a:br>
+            <a:endParaRPr lang="en-US" dirty="0"/>
+          </a:p>
+          <a:p>
+            <a:r>
+              <a:rPr lang="en-US" dirty="0"/>
+              <a:t>This “business lens” differs from our “BI lens”</a:t>
+            </a:r>
+          </a:p>
+          <a:p>
+            <a:r>
+              <a:rPr lang="en-US" dirty="0"/>
+              <a:t>It operates at a high level, not at ground level</a:t>
+            </a:r>
+          </a:p>
+          <a:p>
+            <a:r>
+              <a:rPr lang="en-US" dirty="0"/>
+              <a:t>It makes BI accountable</a:t>
+            </a:r>
+          </a:p>
+        </p:txBody>
+      </p:sp>
+    </p:spTree>
+    <p:extLst>
+      <p:ext uri="{BB962C8B-B14F-4D97-AF65-F5344CB8AC3E}">
+        <p14:creationId xmlns:p14="http://schemas.microsoft.com/office/powerpoint/2010/main" val="3978662000"/>
+      </p:ext>
+    </p:extLst>
+  </p:cSld>
+  <p:clrMapOvr>
+    <a:masterClrMapping/>
+  </p:clrMapOvr>
+</p:sld>
+</file>
+
+<file path=ppt/slides/slide30.xml><?xml version="1.0" encoding="utf-8"?>
 <p:sld xmlns:a="http://schemas.openxmlformats.org/drawingml/2006/main" xmlns:r="http://schemas.openxmlformats.org/officeDocument/2006/relationships" xmlns:p="http://schemas.openxmlformats.org/presentationml/2006/main">
   <p:cSld>
     <p:spTree>
@@ -7413,7 +8570,7 @@
 </p:sld>
 </file>
 
-<file path=ppt/slides/slide29.xml><?xml version="1.0" encoding="utf-8"?>
+<file path=ppt/slides/slide31.xml><?xml version="1.0" encoding="utf-8"?>
 <p:sld xmlns:a="http://schemas.openxmlformats.org/drawingml/2006/main" xmlns:r="http://schemas.openxmlformats.org/officeDocument/2006/relationships" xmlns:p="http://schemas.openxmlformats.org/presentationml/2006/main">
   <p:cSld>
     <p:spTree>
@@ -7542,7 +8699,7 @@
 </p:sld>
 </file>
 
-<file path=ppt/slides/slide3.xml><?xml version="1.0" encoding="utf-8"?>
+<file path=ppt/slides/slide32.xml><?xml version="1.0" encoding="utf-8"?>
 <p:sld xmlns:a="http://schemas.openxmlformats.org/drawingml/2006/main" xmlns:r="http://schemas.openxmlformats.org/officeDocument/2006/relationships" xmlns:p="http://schemas.openxmlformats.org/presentationml/2006/main">
   <p:cSld>
     <p:spTree>
@@ -7550,7 +8707,7 @@
         <p:cNvPr id="1" name="">
           <a:extLst>
             <a:ext uri="{FF2B5EF4-FFF2-40B4-BE49-F238E27FC236}">
-              <a16:creationId xmlns:a16="http://schemas.microsoft.com/office/drawing/2014/main" id="{C67EC73F-42DA-3546-AD17-D71C8D7BD2E3}"/>
+              <a16:creationId xmlns:a16="http://schemas.microsoft.com/office/drawing/2014/main" id="{6BA0080A-2B7E-3460-3A71-3E49C353A380}"/>
             </a:ext>
           </a:extLst>
         </p:cNvPr>
@@ -7570,7 +8727,7 @@
           <p:cNvPr id="2" name="Title 1">
             <a:extLst>
               <a:ext uri="{FF2B5EF4-FFF2-40B4-BE49-F238E27FC236}">
-                <a16:creationId xmlns:a16="http://schemas.microsoft.com/office/drawing/2014/main" id="{FADBCA4D-7007-4336-B062-8EE8E1C1A5D0}"/>
+                <a16:creationId xmlns:a16="http://schemas.microsoft.com/office/drawing/2014/main" id="{9A98900A-C88C-8FB0-7362-DE1545C7CA30}"/>
               </a:ext>
             </a:extLst>
           </p:cNvPr>
@@ -7588,145 +8745,6 @@
           <a:p>
             <a:r>
               <a:rPr lang="en-US" dirty="0"/>
-              <a:t>“Vexing” BI issue #1: Adoption is low</a:t>
-            </a:r>
-            <a:endParaRPr lang="en-IN" dirty="0"/>
-          </a:p>
-        </p:txBody>
-      </p:sp>
-      <p:sp>
-        <p:nvSpPr>
-          <p:cNvPr id="3" name="Content Placeholder 2">
-            <a:extLst>
-              <a:ext uri="{FF2B5EF4-FFF2-40B4-BE49-F238E27FC236}">
-                <a16:creationId xmlns:a16="http://schemas.microsoft.com/office/drawing/2014/main" id="{E58941EA-D7C0-DF95-9946-C5ED7D532131}"/>
-              </a:ext>
-            </a:extLst>
-          </p:cNvPr>
-          <p:cNvSpPr>
-            <a:spLocks noGrp="1"/>
-          </p:cNvSpPr>
-          <p:nvPr>
-            <p:ph idx="1"/>
-          </p:nvPr>
-        </p:nvSpPr>
-        <p:spPr/>
-        <p:txBody>
-          <a:bodyPr>
-            <a:normAutofit/>
-          </a:bodyPr>
-          <a:lstStyle/>
-          <a:p>
-            <a:r>
-              <a:rPr lang="en-US" dirty="0"/>
-              <a:t>“Doesn't solve my problem” </a:t>
-            </a:r>
-            <a:r>
-              <a:rPr lang="en-US" i="1" dirty="0"/>
-              <a:t>not useful</a:t>
-            </a:r>
-          </a:p>
-          <a:p>
-            <a:r>
-              <a:rPr lang="en-US" dirty="0"/>
-              <a:t>“Too difficult to find/use, doesn't fit into my workflow” </a:t>
-            </a:r>
-            <a:r>
-              <a:rPr lang="en-US" i="1" dirty="0"/>
-              <a:t>not usable</a:t>
-            </a:r>
-          </a:p>
-          <a:p>
-            <a:r>
-              <a:rPr lang="en-US" dirty="0"/>
-              <a:t>“Can't make sense out of it” </a:t>
-            </a:r>
-            <a:r>
-              <a:rPr lang="en-US" i="1" dirty="0"/>
-              <a:t>not understandable</a:t>
-            </a:r>
-          </a:p>
-          <a:p>
-            <a:r>
-              <a:rPr lang="en-US" dirty="0"/>
-              <a:t>“I don't trust the numbers” </a:t>
-            </a:r>
-            <a:r>
-              <a:rPr lang="en-US" i="1" dirty="0"/>
-              <a:t>trust</a:t>
-            </a:r>
-          </a:p>
-          <a:p>
-            <a:r>
-              <a:rPr lang="en-US" dirty="0"/>
-              <a:t>“It's no longer relevant” </a:t>
-            </a:r>
-            <a:r>
-              <a:rPr lang="en-US" i="1" dirty="0"/>
-              <a:t>relevance</a:t>
-            </a:r>
-          </a:p>
-        </p:txBody>
-      </p:sp>
-    </p:spTree>
-    <p:extLst>
-      <p:ext uri="{BB962C8B-B14F-4D97-AF65-F5344CB8AC3E}">
-        <p14:creationId xmlns:p14="http://schemas.microsoft.com/office/powerpoint/2010/main" val="4208844184"/>
-      </p:ext>
-    </p:extLst>
-  </p:cSld>
-  <p:clrMapOvr>
-    <a:masterClrMapping/>
-  </p:clrMapOvr>
-</p:sld>
-</file>
-
-<file path=ppt/slides/slide30.xml><?xml version="1.0" encoding="utf-8"?>
-<p:sld xmlns:a="http://schemas.openxmlformats.org/drawingml/2006/main" xmlns:r="http://schemas.openxmlformats.org/officeDocument/2006/relationships" xmlns:p="http://schemas.openxmlformats.org/presentationml/2006/main">
-  <p:cSld>
-    <p:spTree>
-      <p:nvGrpSpPr>
-        <p:cNvPr id="1" name="">
-          <a:extLst>
-            <a:ext uri="{FF2B5EF4-FFF2-40B4-BE49-F238E27FC236}">
-              <a16:creationId xmlns:a16="http://schemas.microsoft.com/office/drawing/2014/main" id="{7122DC67-EFA9-BE4E-E5C3-D45707A37C2E}"/>
-            </a:ext>
-          </a:extLst>
-        </p:cNvPr>
-        <p:cNvGrpSpPr/>
-        <p:nvPr/>
-      </p:nvGrpSpPr>
-      <p:grpSpPr>
-        <a:xfrm>
-          <a:off x="0" y="0"/>
-          <a:ext cx="0" cy="0"/>
-          <a:chOff x="0" y="0"/>
-          <a:chExt cx="0" cy="0"/>
-        </a:xfrm>
-      </p:grpSpPr>
-      <p:sp>
-        <p:nvSpPr>
-          <p:cNvPr id="2" name="Title 1">
-            <a:extLst>
-              <a:ext uri="{FF2B5EF4-FFF2-40B4-BE49-F238E27FC236}">
-                <a16:creationId xmlns:a16="http://schemas.microsoft.com/office/drawing/2014/main" id="{1F454078-D96F-7997-723C-44178BC65A9A}"/>
-              </a:ext>
-            </a:extLst>
-          </p:cNvPr>
-          <p:cNvSpPr>
-            <a:spLocks noGrp="1"/>
-          </p:cNvSpPr>
-          <p:nvPr>
-            <p:ph type="title"/>
-          </p:nvPr>
-        </p:nvSpPr>
-        <p:spPr/>
-        <p:txBody>
-          <a:bodyPr/>
-          <a:lstStyle/>
-          <a:p>
-            <a:r>
-              <a:rPr lang="en-US" dirty="0"/>
               <a:t>In summary: The Lean BI system</a:t>
             </a:r>
           </a:p>
@@ -7737,7 +8755,7 @@
           <p:cNvPr id="6" name="Rectangle 5">
             <a:extLst>
               <a:ext uri="{FF2B5EF4-FFF2-40B4-BE49-F238E27FC236}">
-                <a16:creationId xmlns:a16="http://schemas.microsoft.com/office/drawing/2014/main" id="{C84E1E98-7F9F-93AA-8B51-08FD94E81604}"/>
+                <a16:creationId xmlns:a16="http://schemas.microsoft.com/office/drawing/2014/main" id="{0A784D30-49C7-B706-67AC-E958E931F317}"/>
               </a:ext>
             </a:extLst>
           </p:cNvPr>
@@ -7786,7 +8804,7 @@
                   <a:schemeClr val="accent1"/>
                 </a:solidFill>
               </a:rPr>
-              <a:t>1. Discovery Interviews</a:t>
+              <a:t>1. Discovery Interviews + Eval</a:t>
             </a:r>
           </a:p>
         </p:txBody>
@@ -7796,7 +8814,7 @@
           <p:cNvPr id="13" name="Rectangle 12">
             <a:extLst>
               <a:ext uri="{FF2B5EF4-FFF2-40B4-BE49-F238E27FC236}">
-                <a16:creationId xmlns:a16="http://schemas.microsoft.com/office/drawing/2014/main" id="{5031EA49-BA48-38EA-03FD-2F3643A917CD}"/>
+                <a16:creationId xmlns:a16="http://schemas.microsoft.com/office/drawing/2014/main" id="{9BDE1A29-77C3-892F-0994-6F8DB4A1907F}"/>
               </a:ext>
             </a:extLst>
           </p:cNvPr>
@@ -7855,7 +8873,7 @@
           <p:cNvPr id="14" name="Rectangle 13">
             <a:extLst>
               <a:ext uri="{FF2B5EF4-FFF2-40B4-BE49-F238E27FC236}">
-                <a16:creationId xmlns:a16="http://schemas.microsoft.com/office/drawing/2014/main" id="{AB90ABB6-F8C2-68EC-ECD4-88E2B8F5054C}"/>
+                <a16:creationId xmlns:a16="http://schemas.microsoft.com/office/drawing/2014/main" id="{FC931C1D-F524-AAE3-D55F-F16F1E88085E}"/>
               </a:ext>
             </a:extLst>
           </p:cNvPr>
@@ -7929,7 +8947,7 @@
           <p:cNvPr id="15" name="Rectangle 14">
             <a:extLst>
               <a:ext uri="{FF2B5EF4-FFF2-40B4-BE49-F238E27FC236}">
-                <a16:creationId xmlns:a16="http://schemas.microsoft.com/office/drawing/2014/main" id="{519FC8B4-35CE-184A-F25D-C5CA1861290F}"/>
+                <a16:creationId xmlns:a16="http://schemas.microsoft.com/office/drawing/2014/main" id="{A82D3837-10BE-417F-92BF-C7FFBAFCBD62}"/>
               </a:ext>
             </a:extLst>
           </p:cNvPr>
@@ -7988,7 +9006,7 @@
           <p:cNvPr id="16" name="Rectangle 15">
             <a:extLst>
               <a:ext uri="{FF2B5EF4-FFF2-40B4-BE49-F238E27FC236}">
-                <a16:creationId xmlns:a16="http://schemas.microsoft.com/office/drawing/2014/main" id="{364349C4-87FF-E6E4-EBCC-0E47D6B9799F}"/>
+                <a16:creationId xmlns:a16="http://schemas.microsoft.com/office/drawing/2014/main" id="{2FB49855-74DE-17F2-249B-F20A363C0B50}"/>
               </a:ext>
             </a:extLst>
           </p:cNvPr>
@@ -8047,7 +9065,7 @@
           <p:cNvPr id="17" name="Rectangle 16">
             <a:extLst>
               <a:ext uri="{FF2B5EF4-FFF2-40B4-BE49-F238E27FC236}">
-                <a16:creationId xmlns:a16="http://schemas.microsoft.com/office/drawing/2014/main" id="{EB44B182-2DDD-1CF6-6F0F-4FEAFBDFDAEF}"/>
+                <a16:creationId xmlns:a16="http://schemas.microsoft.com/office/drawing/2014/main" id="{11EAC951-6958-FE37-F395-9BACC6405842}"/>
               </a:ext>
             </a:extLst>
           </p:cNvPr>
@@ -8106,7 +9124,7 @@
           <p:cNvPr id="18" name="Rectangle 17">
             <a:extLst>
               <a:ext uri="{FF2B5EF4-FFF2-40B4-BE49-F238E27FC236}">
-                <a16:creationId xmlns:a16="http://schemas.microsoft.com/office/drawing/2014/main" id="{56A94228-A6B5-92AE-4C80-306A1BEC291F}"/>
+                <a16:creationId xmlns:a16="http://schemas.microsoft.com/office/drawing/2014/main" id="{ABE5DC43-864E-F274-EEE9-3E9E44C7AC6D}"/>
               </a:ext>
             </a:extLst>
           </p:cNvPr>
@@ -8165,7 +9183,7 @@
           <p:cNvPr id="19" name="Rectangle 18">
             <a:extLst>
               <a:ext uri="{FF2B5EF4-FFF2-40B4-BE49-F238E27FC236}">
-                <a16:creationId xmlns:a16="http://schemas.microsoft.com/office/drawing/2014/main" id="{DF29450F-1BF4-3AEB-07FB-E3481FBC0EEE}"/>
+                <a16:creationId xmlns:a16="http://schemas.microsoft.com/office/drawing/2014/main" id="{1AD58266-460A-D827-288E-B90C1A798B7A}"/>
               </a:ext>
             </a:extLst>
           </p:cNvPr>
@@ -8224,7 +9242,7 @@
           <p:cNvPr id="21" name="Straight Arrow Connector 20">
             <a:extLst>
               <a:ext uri="{FF2B5EF4-FFF2-40B4-BE49-F238E27FC236}">
-                <a16:creationId xmlns:a16="http://schemas.microsoft.com/office/drawing/2014/main" id="{16578721-A74D-458B-C930-64446EC8AC8A}"/>
+                <a16:creationId xmlns:a16="http://schemas.microsoft.com/office/drawing/2014/main" id="{8F4F2BEC-9B9B-EC53-144B-13503F59F28A}"/>
               </a:ext>
             </a:extLst>
           </p:cNvPr>
@@ -8266,7 +9284,7 @@
           <p:cNvPr id="22" name="Straight Arrow Connector 21">
             <a:extLst>
               <a:ext uri="{FF2B5EF4-FFF2-40B4-BE49-F238E27FC236}">
-                <a16:creationId xmlns:a16="http://schemas.microsoft.com/office/drawing/2014/main" id="{A3AEEFCA-470E-00E4-EC18-F6573D8455B2}"/>
+                <a16:creationId xmlns:a16="http://schemas.microsoft.com/office/drawing/2014/main" id="{0E5C1450-5635-C1C8-E781-296118AAF08B}"/>
               </a:ext>
             </a:extLst>
           </p:cNvPr>
@@ -8309,7 +9327,7 @@
           <p:cNvPr id="25" name="Straight Arrow Connector 24">
             <a:extLst>
               <a:ext uri="{FF2B5EF4-FFF2-40B4-BE49-F238E27FC236}">
-                <a16:creationId xmlns:a16="http://schemas.microsoft.com/office/drawing/2014/main" id="{77843536-1F39-3B5B-A256-8627A425E07B}"/>
+                <a16:creationId xmlns:a16="http://schemas.microsoft.com/office/drawing/2014/main" id="{EA72CA7A-FD3C-42FA-220B-1E65913FB6BB}"/>
               </a:ext>
             </a:extLst>
           </p:cNvPr>
@@ -8352,7 +9370,7 @@
           <p:cNvPr id="28" name="Straight Arrow Connector 27">
             <a:extLst>
               <a:ext uri="{FF2B5EF4-FFF2-40B4-BE49-F238E27FC236}">
-                <a16:creationId xmlns:a16="http://schemas.microsoft.com/office/drawing/2014/main" id="{CAC79DDA-E55A-60BF-89F9-B8C52BB3AED9}"/>
+                <a16:creationId xmlns:a16="http://schemas.microsoft.com/office/drawing/2014/main" id="{F5AE8034-C8D8-18BD-8699-F8D911F934F3}"/>
               </a:ext>
             </a:extLst>
           </p:cNvPr>
@@ -8395,7 +9413,7 @@
           <p:cNvPr id="31" name="Straight Arrow Connector 30">
             <a:extLst>
               <a:ext uri="{FF2B5EF4-FFF2-40B4-BE49-F238E27FC236}">
-                <a16:creationId xmlns:a16="http://schemas.microsoft.com/office/drawing/2014/main" id="{CA2C8896-D915-CE98-931B-A5B903D2CCF3}"/>
+                <a16:creationId xmlns:a16="http://schemas.microsoft.com/office/drawing/2014/main" id="{CFAEA89E-102F-845B-9207-4154C82DF25B}"/>
               </a:ext>
             </a:extLst>
           </p:cNvPr>
@@ -8438,7 +9456,7 @@
           <p:cNvPr id="34" name="Straight Arrow Connector 33">
             <a:extLst>
               <a:ext uri="{FF2B5EF4-FFF2-40B4-BE49-F238E27FC236}">
-                <a16:creationId xmlns:a16="http://schemas.microsoft.com/office/drawing/2014/main" id="{01A94179-ADF9-1266-985E-7B3D6595A61E}"/>
+                <a16:creationId xmlns:a16="http://schemas.microsoft.com/office/drawing/2014/main" id="{335E50EB-654F-0159-B030-5D2327F7A39E}"/>
               </a:ext>
             </a:extLst>
           </p:cNvPr>
@@ -8481,7 +9499,7 @@
           <p:cNvPr id="37" name="Straight Arrow Connector 36">
             <a:extLst>
               <a:ext uri="{FF2B5EF4-FFF2-40B4-BE49-F238E27FC236}">
-                <a16:creationId xmlns:a16="http://schemas.microsoft.com/office/drawing/2014/main" id="{7D499974-4173-5583-42CF-B11771DA9724}"/>
+                <a16:creationId xmlns:a16="http://schemas.microsoft.com/office/drawing/2014/main" id="{76F97048-DF41-070E-A390-114A2DE201A0}"/>
               </a:ext>
             </a:extLst>
           </p:cNvPr>
@@ -8522,7 +9540,7 @@
     </p:spTree>
     <p:extLst>
       <p:ext uri="{BB962C8B-B14F-4D97-AF65-F5344CB8AC3E}">
-        <p14:creationId xmlns:p14="http://schemas.microsoft.com/office/powerpoint/2010/main" val="1199701967"/>
+        <p14:creationId xmlns:p14="http://schemas.microsoft.com/office/powerpoint/2010/main" val="2826554245"/>
       </p:ext>
     </p:extLst>
   </p:cSld>
@@ -8532,7 +9550,7 @@
 </p:sld>
 </file>
 
-<file path=ppt/slides/slide31.xml><?xml version="1.0" encoding="utf-8"?>
+<file path=ppt/slides/slide33.xml><?xml version="1.0" encoding="utf-8"?>
 <p:sld xmlns:a="http://schemas.openxmlformats.org/drawingml/2006/main" xmlns:r="http://schemas.openxmlformats.org/officeDocument/2006/relationships" xmlns:p="http://schemas.openxmlformats.org/presentationml/2006/main">
   <p:cSld>
     <p:spTree>
@@ -8637,6 +9655,12 @@
           <a:p>
             <a:r>
               <a:rPr lang="en-US" dirty="0"/>
+              <a:t>Layout templates in company format</a:t>
+            </a:r>
+          </a:p>
+          <a:p>
+            <a:r>
+              <a:rPr lang="en-US" dirty="0"/>
               <a:t>Custom scoring system based on your org priorities</a:t>
             </a:r>
           </a:p>
@@ -8673,7 +9697,7 @@
 </p:sld>
 </file>
 
-<file path=ppt/slides/slide32.xml><?xml version="1.0" encoding="utf-8"?>
+<file path=ppt/slides/slide34.xml><?xml version="1.0" encoding="utf-8"?>
 <p:sld xmlns:a="http://schemas.openxmlformats.org/drawingml/2006/main" xmlns:r="http://schemas.openxmlformats.org/officeDocument/2006/relationships" xmlns:p="http://schemas.openxmlformats.org/presentationml/2006/main">
   <p:cSld>
     <p:spTree>
@@ -8830,7 +9854,7 @@
 </p:sld>
 </file>
 
-<file path=ppt/slides/slide33.xml><?xml version="1.0" encoding="utf-8"?>
+<file path=ppt/slides/slide4.xml><?xml version="1.0" encoding="utf-8"?>
 <p:sld xmlns:a="http://schemas.openxmlformats.org/drawingml/2006/main" xmlns:r="http://schemas.openxmlformats.org/officeDocument/2006/relationships" xmlns:p="http://schemas.openxmlformats.org/presentationml/2006/main">
   <p:cSld>
     <p:spTree>
@@ -8838,7 +9862,7 @@
         <p:cNvPr id="1" name="">
           <a:extLst>
             <a:ext uri="{FF2B5EF4-FFF2-40B4-BE49-F238E27FC236}">
-              <a16:creationId xmlns:a16="http://schemas.microsoft.com/office/drawing/2014/main" id="{D08E4F1A-2BD0-890D-A170-A5D5CDC162F9}"/>
+              <a16:creationId xmlns:a16="http://schemas.microsoft.com/office/drawing/2014/main" id="{C4FF4BAA-78F0-4DEE-BBA0-F8454827CDCF}"/>
             </a:ext>
           </a:extLst>
         </p:cNvPr>
@@ -8858,7 +9882,7 @@
           <p:cNvPr id="2" name="Title 1">
             <a:extLst>
               <a:ext uri="{FF2B5EF4-FFF2-40B4-BE49-F238E27FC236}">
-                <a16:creationId xmlns:a16="http://schemas.microsoft.com/office/drawing/2014/main" id="{0E602A6E-15AD-5CA2-D199-21CA0965AB32}"/>
+                <a16:creationId xmlns:a16="http://schemas.microsoft.com/office/drawing/2014/main" id="{F1117529-0024-47C3-0AEB-A8BC73B98F56}"/>
               </a:ext>
             </a:extLst>
           </p:cNvPr>
@@ -8869,52 +9893,129 @@
             <p:ph type="title"/>
           </p:nvPr>
         </p:nvSpPr>
-        <p:spPr/>
-        <p:txBody>
-          <a:bodyPr/>
-          <a:lstStyle/>
-          <a:p>
-            <a:r>
-              <a:rPr lang="en-US" dirty="0"/>
-              <a:t>Feedback please!</a:t>
-            </a:r>
-          </a:p>
-        </p:txBody>
-      </p:sp>
-      <p:pic>
-        <p:nvPicPr>
-          <p:cNvPr id="7" name="Picture 6">
-            <a:extLst>
-              <a:ext uri="{FF2B5EF4-FFF2-40B4-BE49-F238E27FC236}">
-                <a16:creationId xmlns:a16="http://schemas.microsoft.com/office/drawing/2014/main" id="{EE0B8F96-7839-C600-DD38-0737B8FC7F80}"/>
-              </a:ext>
-            </a:extLst>
-          </p:cNvPr>
-          <p:cNvPicPr>
-            <a:picLocks noChangeAspect="1"/>
-          </p:cNvPicPr>
-          <p:nvPr/>
-        </p:nvPicPr>
-        <p:blipFill>
-          <a:blip r:embed="rId2"/>
-          <a:stretch>
-            <a:fillRect/>
-          </a:stretch>
-        </p:blipFill>
         <p:spPr>
           <a:xfrm>
-            <a:off x="3359943" y="1690688"/>
-            <a:ext cx="4355307" cy="4391906"/>
+            <a:off x="838199" y="365125"/>
+            <a:ext cx="11049001" cy="1325563"/>
           </a:xfrm>
-          <a:prstGeom prst="rect">
-            <a:avLst/>
-          </a:prstGeom>
         </p:spPr>
-      </p:pic>
+        <p:txBody>
+          <a:bodyPr/>
+          <a:lstStyle/>
+          <a:p>
+            <a:r>
+              <a:rPr lang="en-US" dirty="0"/>
+              <a:t>“Vexing” BI issue #1: Low adoption </a:t>
+            </a:r>
+            <a:r>
+              <a:rPr lang="en-US" dirty="0">
+                <a:sym typeface="Wingdings" panose="05000000000000000000" pitchFamily="2" charset="2"/>
+              </a:rPr>
+              <a:t> </a:t>
+            </a:r>
+            <a:r>
+              <a:rPr lang="en-US" dirty="0"/>
+              <a:t>Low value</a:t>
+            </a:r>
+            <a:endParaRPr lang="en-IN" dirty="0"/>
+          </a:p>
+        </p:txBody>
+      </p:sp>
+      <p:sp>
+        <p:nvSpPr>
+          <p:cNvPr id="3" name="Content Placeholder 2">
+            <a:extLst>
+              <a:ext uri="{FF2B5EF4-FFF2-40B4-BE49-F238E27FC236}">
+                <a16:creationId xmlns:a16="http://schemas.microsoft.com/office/drawing/2014/main" id="{693F848C-C141-6E8D-E364-3AB3B158B2D8}"/>
+              </a:ext>
+            </a:extLst>
+          </p:cNvPr>
+          <p:cNvSpPr>
+            <a:spLocks noGrp="1"/>
+          </p:cNvSpPr>
+          <p:nvPr>
+            <p:ph idx="1"/>
+          </p:nvPr>
+        </p:nvSpPr>
+        <p:spPr/>
+        <p:txBody>
+          <a:bodyPr>
+            <a:normAutofit/>
+          </a:bodyPr>
+          <a:lstStyle/>
+          <a:p>
+            <a:r>
+              <a:rPr lang="en-US" dirty="0"/>
+              <a:t>“Doesn't solve my problem” </a:t>
+            </a:r>
+            <a:r>
+              <a:rPr lang="en-US" sz="2000" i="1" dirty="0"/>
+              <a:t>(not useful)</a:t>
+            </a:r>
+            <a:endParaRPr lang="en-US" i="1" dirty="0"/>
+          </a:p>
+          <a:p>
+            <a:r>
+              <a:rPr lang="en-US" dirty="0"/>
+              <a:t>“Too difficult to find/use, doesn't fit into my workflow” </a:t>
+            </a:r>
+            <a:r>
+              <a:rPr lang="en-US" sz="2000" i="1" dirty="0"/>
+              <a:t>(not usable)</a:t>
+            </a:r>
+            <a:endParaRPr lang="en-US" i="1" dirty="0"/>
+          </a:p>
+          <a:p>
+            <a:r>
+              <a:rPr lang="en-US" dirty="0"/>
+              <a:t>“Can't make sense out of it” </a:t>
+            </a:r>
+            <a:r>
+              <a:rPr lang="en-US" sz="2000" dirty="0"/>
+              <a:t>(</a:t>
+            </a:r>
+            <a:r>
+              <a:rPr lang="en-US" sz="2000" i="1" dirty="0"/>
+              <a:t>not understandable)</a:t>
+            </a:r>
+            <a:endParaRPr lang="en-US" i="1" dirty="0"/>
+          </a:p>
+          <a:p>
+            <a:r>
+              <a:rPr lang="en-US" dirty="0"/>
+              <a:t>“I don't trust the numbers” </a:t>
+            </a:r>
+            <a:r>
+              <a:rPr lang="en-US" sz="2000" dirty="0"/>
+              <a:t>(</a:t>
+            </a:r>
+            <a:r>
+              <a:rPr lang="en-US" sz="2000" i="1" dirty="0"/>
+              <a:t>not trustworthy)</a:t>
+            </a:r>
+            <a:endParaRPr lang="en-US" i="1" dirty="0"/>
+          </a:p>
+          <a:p>
+            <a:r>
+              <a:rPr lang="en-US" dirty="0"/>
+              <a:t>“It's no longer relevant” </a:t>
+            </a:r>
+            <a:r>
+              <a:rPr lang="en-US" sz="2000" dirty="0"/>
+              <a:t>(</a:t>
+            </a:r>
+            <a:r>
+              <a:rPr lang="en-US" sz="2000" i="1" dirty="0"/>
+              <a:t>not relevant)</a:t>
+            </a:r>
+            <a:endParaRPr lang="en-US" i="1" dirty="0"/>
+          </a:p>
+        </p:txBody>
+      </p:sp>
     </p:spTree>
     <p:extLst>
       <p:ext uri="{BB962C8B-B14F-4D97-AF65-F5344CB8AC3E}">
-        <p14:creationId xmlns:p14="http://schemas.microsoft.com/office/powerpoint/2010/main" val="939819053"/>
+        <p14:creationId xmlns:p14="http://schemas.microsoft.com/office/powerpoint/2010/main" val="1168965598"/>
       </p:ext>
     </p:extLst>
   </p:cSld>
@@ -8924,7 +10025,7 @@
 </p:sld>
 </file>
 
-<file path=ppt/slides/slide4.xml><?xml version="1.0" encoding="utf-8"?>
+<file path=ppt/slides/slide5.xml><?xml version="1.0" encoding="utf-8"?>
 <p:sld xmlns:a="http://schemas.openxmlformats.org/drawingml/2006/main" xmlns:r="http://schemas.openxmlformats.org/officeDocument/2006/relationships" xmlns:p="http://schemas.openxmlformats.org/presentationml/2006/main">
   <p:cSld>
     <p:spTree>
@@ -9037,7 +10138,7 @@
 </p:sld>
 </file>
 
-<file path=ppt/slides/slide5.xml><?xml version="1.0" encoding="utf-8"?>
+<file path=ppt/slides/slide6.xml><?xml version="1.0" encoding="utf-8"?>
 <p:sld xmlns:a="http://schemas.openxmlformats.org/drawingml/2006/main" xmlns:r="http://schemas.openxmlformats.org/officeDocument/2006/relationships" xmlns:p="http://schemas.openxmlformats.org/presentationml/2006/main">
   <p:cSld>
     <p:spTree>
@@ -9127,9 +10228,18 @@
             <a:endParaRPr lang="en-US" dirty="0"/>
           </a:p>
           <a:p>
-            <a:r>
-              <a:rPr lang="en-US" dirty="0"/>
-              <a:t>But we can increase ROI </a:t>
+            <a:pPr marL="0" indent="0">
+              <a:buNone/>
+            </a:pPr>
+            <a:r>
+              <a:rPr lang="en-US" dirty="0"/>
+              <a:t>But …</a:t>
+            </a:r>
+          </a:p>
+          <a:p>
+            <a:r>
+              <a:rPr lang="en-US" dirty="0"/>
+              <a:t>We can increase ROI </a:t>
             </a:r>
             <a:r>
               <a:rPr lang="en-US" i="1" dirty="0"/>
@@ -9170,7 +10280,7 @@
 </p:sld>
 </file>
 
-<file path=ppt/slides/slide6.xml><?xml version="1.0" encoding="utf-8"?>
+<file path=ppt/slides/slide7.xml><?xml version="1.0" encoding="utf-8"?>
 <p:sld xmlns:a="http://schemas.openxmlformats.org/drawingml/2006/main" xmlns:r="http://schemas.openxmlformats.org/officeDocument/2006/relationships" xmlns:p="http://schemas.openxmlformats.org/presentationml/2006/main">
   <p:cSld>
     <p:spTree>
@@ -9209,14 +10319,19 @@
             <p:ph type="title"/>
           </p:nvPr>
         </p:nvSpPr>
-        <p:spPr/>
+        <p:spPr>
+          <a:xfrm>
+            <a:off x="838200" y="365125"/>
+            <a:ext cx="10929730" cy="1325563"/>
+          </a:xfrm>
+        </p:spPr>
         <p:txBody>
           <a:bodyPr/>
           <a:lstStyle/>
           <a:p>
             <a:r>
               <a:rPr lang="en-US" dirty="0"/>
-              <a:t>The BI Iceberg</a:t>
+              <a:t>Main cause: Hidden complexity - the BI Iceberg</a:t>
             </a:r>
           </a:p>
         </p:txBody>
@@ -10198,7 +11313,7 @@
 </p:sld>
 </file>
 
-<file path=ppt/slides/slide7.xml><?xml version="1.0" encoding="utf-8"?>
+<file path=ppt/slides/slide8.xml><?xml version="1.0" encoding="utf-8"?>
 <p:sld xmlns:a="http://schemas.openxmlformats.org/drawingml/2006/main" xmlns:r="http://schemas.openxmlformats.org/officeDocument/2006/relationships" xmlns:p="http://schemas.openxmlformats.org/presentationml/2006/main">
   <p:cSld>
     <p:spTree>
@@ -10237,14 +11352,19 @@
             <p:ph type="title"/>
           </p:nvPr>
         </p:nvSpPr>
-        <p:spPr/>
+        <p:spPr>
+          <a:xfrm>
+            <a:off x="838199" y="365125"/>
+            <a:ext cx="10995991" cy="1325563"/>
+          </a:xfrm>
+        </p:spPr>
         <p:txBody>
           <a:bodyPr/>
           <a:lstStyle/>
           <a:p>
             <a:r>
               <a:rPr lang="en-US" dirty="0"/>
-              <a:t>Is BI operating in a vacuum?</a:t>
+              <a:t>The solution: To “augment” BI - cross-pollination</a:t>
             </a:r>
           </a:p>
         </p:txBody>
@@ -10379,7 +11499,7 @@
 </p:sld>
 </file>
 
-<file path=ppt/slides/slide8.xml><?xml version="1.0" encoding="utf-8"?>
+<file path=ppt/slides/slide9.xml><?xml version="1.0" encoding="utf-8"?>
 <p:sld xmlns:a="http://schemas.openxmlformats.org/drawingml/2006/main" xmlns:r="http://schemas.openxmlformats.org/officeDocument/2006/relationships" xmlns:p="http://schemas.openxmlformats.org/presentationml/2006/main">
   <p:cSld>
     <p:spTree>
@@ -10425,7 +11545,7 @@
           <a:p>
             <a:r>
               <a:rPr lang="en-US" dirty="0"/>
-              <a:t>Lean helps!</a:t>
+              <a:t>“Lean”: A big factor in improving BI outcomes</a:t>
             </a:r>
             <a:endParaRPr lang="en-US" b="0" dirty="0">
               <a:effectLst/>
@@ -10478,9 +11598,16 @@
           </a:p>
           <a:p>
             <a:r>
-              <a:rPr lang="en-US" dirty="0"/>
-              <a:t>Ways to achieve this:</a:t>
-            </a:r>
+              <a:rPr lang="en-US" b="1" dirty="0"/>
+              <a:t>How?</a:t>
+            </a:r>
+            <a:r>
+              <a:rPr lang="en-US" dirty="0"/>
+              <a:t> “good inputs transformed into good outputs through good frameworks and practices”</a:t>
+            </a:r>
+            <a:br>
+              <a:rPr lang="en-US" dirty="0"/>
+            </a:br>
             <a:endParaRPr lang="en-US" b="0" dirty="0">
               <a:effectLst/>
             </a:endParaRPr>
@@ -10492,10 +11619,10 @@
               <a:t>Good inputs </a:t>
             </a:r>
             <a:r>
-              <a:rPr lang="en-US" sz="2100" dirty="0"/>
+              <a:rPr lang="en-US" sz="1800" dirty="0"/>
               <a:t>(Discovery, requirements and research)</a:t>
             </a:r>
-            <a:endParaRPr lang="en-US" b="0" dirty="0">
+            <a:endParaRPr lang="en-US" sz="1800" b="0" dirty="0">
               <a:effectLst/>
             </a:endParaRPr>
           </a:p>
@@ -10551,156 +11678,6 @@
     <p:extLst>
       <p:ext uri="{BB962C8B-B14F-4D97-AF65-F5344CB8AC3E}">
         <p14:creationId xmlns:p14="http://schemas.microsoft.com/office/powerpoint/2010/main" val="3015779111"/>
-      </p:ext>
-    </p:extLst>
-  </p:cSld>
-  <p:clrMapOvr>
-    <a:masterClrMapping/>
-  </p:clrMapOvr>
-</p:sld>
-</file>
-
-<file path=ppt/slides/slide9.xml><?xml version="1.0" encoding="utf-8"?>
-<p:sld xmlns:a="http://schemas.openxmlformats.org/drawingml/2006/main" xmlns:r="http://schemas.openxmlformats.org/officeDocument/2006/relationships" xmlns:p="http://schemas.openxmlformats.org/presentationml/2006/main">
-  <p:cSld>
-    <p:spTree>
-      <p:nvGrpSpPr>
-        <p:cNvPr id="1" name="">
-          <a:extLst>
-            <a:ext uri="{FF2B5EF4-FFF2-40B4-BE49-F238E27FC236}">
-              <a16:creationId xmlns:a16="http://schemas.microsoft.com/office/drawing/2014/main" id="{949F146A-0619-D4B5-BBD8-1B34D361576F}"/>
-            </a:ext>
-          </a:extLst>
-        </p:cNvPr>
-        <p:cNvGrpSpPr/>
-        <p:nvPr/>
-      </p:nvGrpSpPr>
-      <p:grpSpPr>
-        <a:xfrm>
-          <a:off x="0" y="0"/>
-          <a:ext cx="0" cy="0"/>
-          <a:chOff x="0" y="0"/>
-          <a:chExt cx="0" cy="0"/>
-        </a:xfrm>
-      </p:grpSpPr>
-      <p:sp>
-        <p:nvSpPr>
-          <p:cNvPr id="2" name="Title 1">
-            <a:extLst>
-              <a:ext uri="{FF2B5EF4-FFF2-40B4-BE49-F238E27FC236}">
-                <a16:creationId xmlns:a16="http://schemas.microsoft.com/office/drawing/2014/main" id="{994E6D9D-2F51-24EE-910C-C7EA2EDE30DD}"/>
-              </a:ext>
-            </a:extLst>
-          </p:cNvPr>
-          <p:cNvSpPr>
-            <a:spLocks noGrp="1"/>
-          </p:cNvSpPr>
-          <p:nvPr>
-            <p:ph type="title"/>
-          </p:nvPr>
-        </p:nvSpPr>
-        <p:spPr/>
-        <p:txBody>
-          <a:bodyPr/>
-          <a:lstStyle/>
-          <a:p>
-            <a:r>
-              <a:rPr lang="en-US" dirty="0"/>
-              <a:t>How does wireframing fit in with Lean BI?</a:t>
-            </a:r>
-          </a:p>
-        </p:txBody>
-      </p:sp>
-      <p:sp>
-        <p:nvSpPr>
-          <p:cNvPr id="3" name="Content Placeholder 2">
-            <a:extLst>
-              <a:ext uri="{FF2B5EF4-FFF2-40B4-BE49-F238E27FC236}">
-                <a16:creationId xmlns:a16="http://schemas.microsoft.com/office/drawing/2014/main" id="{1515FBDC-31E9-8748-1050-6D57D9F3EA7D}"/>
-              </a:ext>
-            </a:extLst>
-          </p:cNvPr>
-          <p:cNvSpPr>
-            <a:spLocks noGrp="1"/>
-          </p:cNvSpPr>
-          <p:nvPr>
-            <p:ph idx="1"/>
-          </p:nvPr>
-        </p:nvSpPr>
-        <p:spPr>
-          <a:xfrm>
-            <a:off x="838200" y="1825624"/>
-            <a:ext cx="10515600" cy="4586605"/>
-          </a:xfrm>
-        </p:spPr>
-        <p:txBody>
-          <a:bodyPr>
-            <a:normAutofit/>
-          </a:bodyPr>
-          <a:lstStyle/>
-          <a:p>
-            <a:r>
-              <a:rPr lang="en-US" dirty="0"/>
-              <a:t>Shows a mirror both upstream and downstream</a:t>
-            </a:r>
-          </a:p>
-          <a:p>
-            <a:pPr lvl="1"/>
-            <a:r>
-              <a:rPr lang="en-US" sz="2000" dirty="0"/>
-              <a:t>Creates a traceable chain: interview -&gt; requirements -&gt; spec -&gt; wireframe -&gt; dashboard + data model</a:t>
-            </a:r>
-          </a:p>
-          <a:p>
-            <a:pPr lvl="1"/>
-            <a:r>
-              <a:rPr lang="en-US" sz="2000" dirty="0"/>
-              <a:t>Shows the weak links in the chain</a:t>
-            </a:r>
-          </a:p>
-          <a:p>
-            <a:endParaRPr lang="en-US" dirty="0"/>
-          </a:p>
-          <a:p>
-            <a:r>
-              <a:rPr lang="en-US" dirty="0"/>
-              <a:t>Creates the engagement and involvement that drives success. Stakeholders and users:</a:t>
-            </a:r>
-          </a:p>
-          <a:p>
-            <a:pPr lvl="2"/>
-            <a:r>
-              <a:rPr lang="en-US" dirty="0"/>
-              <a:t>Are involved throughout the process</a:t>
-            </a:r>
-          </a:p>
-          <a:p>
-            <a:pPr lvl="2"/>
-            <a:r>
-              <a:rPr lang="en-US" dirty="0"/>
-              <a:t>See progress</a:t>
-            </a:r>
-          </a:p>
-          <a:p>
-            <a:pPr lvl="2"/>
-            <a:r>
-              <a:rPr lang="en-US" dirty="0"/>
-              <a:t>Feel like co-owners</a:t>
-            </a:r>
-          </a:p>
-          <a:p>
-            <a:pPr lvl="2"/>
-            <a:r>
-              <a:rPr lang="en-US" dirty="0"/>
-              <a:t>Are invested</a:t>
-            </a:r>
-          </a:p>
-        </p:txBody>
-      </p:sp>
-    </p:spTree>
-    <p:extLst>
-      <p:ext uri="{BB962C8B-B14F-4D97-AF65-F5344CB8AC3E}">
-        <p14:creationId xmlns:p14="http://schemas.microsoft.com/office/powerpoint/2010/main" val="822732233"/>
       </p:ext>
     </p:extLst>
   </p:cSld>
@@ -11023,4 +12000,319 @@
     </a:ext>
   </a:extLst>
 </a:theme>
+</file>
+
+<file path=ppt/theme/theme2.xml><?xml version="1.0" encoding="utf-8"?>
+<a:theme xmlns:a="http://schemas.openxmlformats.org/drawingml/2006/main" name="Office Theme">
+  <a:themeElements>
+    <a:clrScheme name="Office">
+      <a:dk1>
+        <a:sysClr val="windowText" lastClr="000000"/>
+      </a:dk1>
+      <a:lt1>
+        <a:sysClr val="window" lastClr="FFFFFF"/>
+      </a:lt1>
+      <a:dk2>
+        <a:srgbClr val="0E2841"/>
+      </a:dk2>
+      <a:lt2>
+        <a:srgbClr val="E8E8E8"/>
+      </a:lt2>
+      <a:accent1>
+        <a:srgbClr val="156082"/>
+      </a:accent1>
+      <a:accent2>
+        <a:srgbClr val="E97132"/>
+      </a:accent2>
+      <a:accent3>
+        <a:srgbClr val="196B24"/>
+      </a:accent3>
+      <a:accent4>
+        <a:srgbClr val="0F9ED5"/>
+      </a:accent4>
+      <a:accent5>
+        <a:srgbClr val="A02B93"/>
+      </a:accent5>
+      <a:accent6>
+        <a:srgbClr val="4EA72E"/>
+      </a:accent6>
+      <a:hlink>
+        <a:srgbClr val="467886"/>
+      </a:hlink>
+      <a:folHlink>
+        <a:srgbClr val="96607D"/>
+      </a:folHlink>
+    </a:clrScheme>
+    <a:fontScheme name="Office">
+      <a:majorFont>
+        <a:latin typeface="Aptos Display" panose="02110004020202020204"/>
+        <a:ea typeface=""/>
+        <a:cs typeface=""/>
+        <a:font script="Jpan" typeface="游ゴシック Light"/>
+        <a:font script="Hang" typeface="맑은 고딕"/>
+        <a:font script="Hans" typeface="等线 Light"/>
+        <a:font script="Hant" typeface="新細明體"/>
+        <a:font script="Arab" typeface="Times New Roman"/>
+        <a:font script="Hebr" typeface="Times New Roman"/>
+        <a:font script="Thai" typeface="Angsana New"/>
+        <a:font script="Ethi" typeface="Nyala"/>
+        <a:font script="Beng" typeface="Vrinda"/>
+        <a:font script="Gujr" typeface="Shruti"/>
+        <a:font script="Khmr" typeface="MoolBoran"/>
+        <a:font script="Knda" typeface="Tunga"/>
+        <a:font script="Guru" typeface="Raavi"/>
+        <a:font script="Cans" typeface="Euphemia"/>
+        <a:font script="Cher" typeface="Plantagenet Cherokee"/>
+        <a:font script="Yiii" typeface="Microsoft Yi Baiti"/>
+        <a:font script="Tibt" typeface="Microsoft Himalaya"/>
+        <a:font script="Thaa" typeface="MV Boli"/>
+        <a:font script="Deva" typeface="Mangal"/>
+        <a:font script="Telu" typeface="Gautami"/>
+        <a:font script="Taml" typeface="Latha"/>
+        <a:font script="Syrc" typeface="Estrangelo Edessa"/>
+        <a:font script="Orya" typeface="Kalinga"/>
+        <a:font script="Mlym" typeface="Kartika"/>
+        <a:font script="Laoo" typeface="DokChampa"/>
+        <a:font script="Sinh" typeface="Iskoola Pota"/>
+        <a:font script="Mong" typeface="Mongolian Baiti"/>
+        <a:font script="Viet" typeface="Times New Roman"/>
+        <a:font script="Uigh" typeface="Microsoft Uighur"/>
+        <a:font script="Geor" typeface="Sylfaen"/>
+        <a:font script="Armn" typeface="Arial"/>
+        <a:font script="Bugi" typeface="Leelawadee UI"/>
+        <a:font script="Bopo" typeface="Microsoft JhengHei"/>
+        <a:font script="Java" typeface="Javanese Text"/>
+        <a:font script="Lisu" typeface="Segoe UI"/>
+        <a:font script="Mymr" typeface="Myanmar Text"/>
+        <a:font script="Nkoo" typeface="Ebrima"/>
+        <a:font script="Olck" typeface="Nirmala UI"/>
+        <a:font script="Osma" typeface="Ebrima"/>
+        <a:font script="Phag" typeface="Phagspa"/>
+        <a:font script="Syrn" typeface="Estrangelo Edessa"/>
+        <a:font script="Syrj" typeface="Estrangelo Edessa"/>
+        <a:font script="Syre" typeface="Estrangelo Edessa"/>
+        <a:font script="Sora" typeface="Nirmala UI"/>
+        <a:font script="Tale" typeface="Microsoft Tai Le"/>
+        <a:font script="Talu" typeface="Microsoft New Tai Lue"/>
+        <a:font script="Tfng" typeface="Ebrima"/>
+      </a:majorFont>
+      <a:minorFont>
+        <a:latin typeface="Aptos" panose="02110004020202020204"/>
+        <a:ea typeface=""/>
+        <a:cs typeface=""/>
+        <a:font script="Jpan" typeface="游ゴシック"/>
+        <a:font script="Hang" typeface="맑은 고딕"/>
+        <a:font script="Hans" typeface="等线"/>
+        <a:font script="Hant" typeface="新細明體"/>
+        <a:font script="Arab" typeface="Arial"/>
+        <a:font script="Hebr" typeface="Arial"/>
+        <a:font script="Thai" typeface="Cordia New"/>
+        <a:font script="Ethi" typeface="Nyala"/>
+        <a:font script="Beng" typeface="Vrinda"/>
+        <a:font script="Gujr" typeface="Shruti"/>
+        <a:font script="Khmr" typeface="DaunPenh"/>
+        <a:font script="Knda" typeface="Tunga"/>
+        <a:font script="Guru" typeface="Raavi"/>
+        <a:font script="Cans" typeface="Euphemia"/>
+        <a:font script="Cher" typeface="Plantagenet Cherokee"/>
+        <a:font script="Yiii" typeface="Microsoft Yi Baiti"/>
+        <a:font script="Tibt" typeface="Microsoft Himalaya"/>
+        <a:font script="Thaa" typeface="MV Boli"/>
+        <a:font script="Deva" typeface="Mangal"/>
+        <a:font script="Telu" typeface="Gautami"/>
+        <a:font script="Taml" typeface="Latha"/>
+        <a:font script="Syrc" typeface="Estrangelo Edessa"/>
+        <a:font script="Orya" typeface="Kalinga"/>
+        <a:font script="Mlym" typeface="Kartika"/>
+        <a:font script="Laoo" typeface="DokChampa"/>
+        <a:font script="Sinh" typeface="Iskoola Pota"/>
+        <a:font script="Mong" typeface="Mongolian Baiti"/>
+        <a:font script="Viet" typeface="Arial"/>
+        <a:font script="Uigh" typeface="Microsoft Uighur"/>
+        <a:font script="Geor" typeface="Sylfaen"/>
+        <a:font script="Armn" typeface="Arial"/>
+        <a:font script="Bugi" typeface="Leelawadee UI"/>
+        <a:font script="Bopo" typeface="Microsoft JhengHei"/>
+        <a:font script="Java" typeface="Javanese Text"/>
+        <a:font script="Lisu" typeface="Segoe UI"/>
+        <a:font script="Mymr" typeface="Myanmar Text"/>
+        <a:font script="Nkoo" typeface="Ebrima"/>
+        <a:font script="Olck" typeface="Nirmala UI"/>
+        <a:font script="Osma" typeface="Ebrima"/>
+        <a:font script="Phag" typeface="Phagspa"/>
+        <a:font script="Syrn" typeface="Estrangelo Edessa"/>
+        <a:font script="Syrj" typeface="Estrangelo Edessa"/>
+        <a:font script="Syre" typeface="Estrangelo Edessa"/>
+        <a:font script="Sora" typeface="Nirmala UI"/>
+        <a:font script="Tale" typeface="Microsoft Tai Le"/>
+        <a:font script="Talu" typeface="Microsoft New Tai Lue"/>
+        <a:font script="Tfng" typeface="Ebrima"/>
+      </a:minorFont>
+    </a:fontScheme>
+    <a:fmtScheme name="Office">
+      <a:fillStyleLst>
+        <a:solidFill>
+          <a:schemeClr val="phClr"/>
+        </a:solidFill>
+        <a:gradFill rotWithShape="1">
+          <a:gsLst>
+            <a:gs pos="0">
+              <a:schemeClr val="phClr">
+                <a:lumMod val="110000"/>
+                <a:satMod val="105000"/>
+                <a:tint val="67000"/>
+              </a:schemeClr>
+            </a:gs>
+            <a:gs pos="50000">
+              <a:schemeClr val="phClr">
+                <a:lumMod val="105000"/>
+                <a:satMod val="103000"/>
+                <a:tint val="73000"/>
+              </a:schemeClr>
+            </a:gs>
+            <a:gs pos="100000">
+              <a:schemeClr val="phClr">
+                <a:lumMod val="105000"/>
+                <a:satMod val="109000"/>
+                <a:tint val="81000"/>
+              </a:schemeClr>
+            </a:gs>
+          </a:gsLst>
+          <a:lin ang="5400000" scaled="0"/>
+        </a:gradFill>
+        <a:gradFill rotWithShape="1">
+          <a:gsLst>
+            <a:gs pos="0">
+              <a:schemeClr val="phClr">
+                <a:satMod val="103000"/>
+                <a:lumMod val="102000"/>
+                <a:tint val="94000"/>
+              </a:schemeClr>
+            </a:gs>
+            <a:gs pos="50000">
+              <a:schemeClr val="phClr">
+                <a:satMod val="110000"/>
+                <a:lumMod val="100000"/>
+                <a:shade val="100000"/>
+              </a:schemeClr>
+            </a:gs>
+            <a:gs pos="100000">
+              <a:schemeClr val="phClr">
+                <a:lumMod val="99000"/>
+                <a:satMod val="120000"/>
+                <a:shade val="78000"/>
+              </a:schemeClr>
+            </a:gs>
+          </a:gsLst>
+          <a:lin ang="5400000" scaled="0"/>
+        </a:gradFill>
+      </a:fillStyleLst>
+      <a:lnStyleLst>
+        <a:ln w="12700" cap="flat" cmpd="sng" algn="ctr">
+          <a:solidFill>
+            <a:schemeClr val="phClr"/>
+          </a:solidFill>
+          <a:prstDash val="solid"/>
+          <a:miter lim="800000"/>
+        </a:ln>
+        <a:ln w="19050" cap="flat" cmpd="sng" algn="ctr">
+          <a:solidFill>
+            <a:schemeClr val="phClr"/>
+          </a:solidFill>
+          <a:prstDash val="solid"/>
+          <a:miter lim="800000"/>
+        </a:ln>
+        <a:ln w="25400" cap="flat" cmpd="sng" algn="ctr">
+          <a:solidFill>
+            <a:schemeClr val="phClr"/>
+          </a:solidFill>
+          <a:prstDash val="solid"/>
+          <a:miter lim="800000"/>
+        </a:ln>
+      </a:lnStyleLst>
+      <a:effectStyleLst>
+        <a:effectStyle>
+          <a:effectLst/>
+        </a:effectStyle>
+        <a:effectStyle>
+          <a:effectLst/>
+        </a:effectStyle>
+        <a:effectStyle>
+          <a:effectLst>
+            <a:outerShdw blurRad="57150" dist="19050" dir="5400000" algn="ctr" rotWithShape="0">
+              <a:srgbClr val="000000">
+                <a:alpha val="63000"/>
+              </a:srgbClr>
+            </a:outerShdw>
+          </a:effectLst>
+        </a:effectStyle>
+      </a:effectStyleLst>
+      <a:bgFillStyleLst>
+        <a:solidFill>
+          <a:schemeClr val="phClr"/>
+        </a:solidFill>
+        <a:solidFill>
+          <a:schemeClr val="phClr">
+            <a:tint val="95000"/>
+            <a:satMod val="170000"/>
+          </a:schemeClr>
+        </a:solidFill>
+        <a:gradFill rotWithShape="1">
+          <a:gsLst>
+            <a:gs pos="0">
+              <a:schemeClr val="phClr">
+                <a:tint val="93000"/>
+                <a:satMod val="150000"/>
+                <a:shade val="98000"/>
+                <a:lumMod val="102000"/>
+              </a:schemeClr>
+            </a:gs>
+            <a:gs pos="50000">
+              <a:schemeClr val="phClr">
+                <a:tint val="98000"/>
+                <a:satMod val="130000"/>
+                <a:shade val="90000"/>
+                <a:lumMod val="103000"/>
+              </a:schemeClr>
+            </a:gs>
+            <a:gs pos="100000">
+              <a:schemeClr val="phClr">
+                <a:shade val="63000"/>
+                <a:satMod val="120000"/>
+              </a:schemeClr>
+            </a:gs>
+          </a:gsLst>
+          <a:lin ang="5400000" scaled="0"/>
+        </a:gradFill>
+      </a:bgFillStyleLst>
+    </a:fmtScheme>
+  </a:themeElements>
+  <a:objectDefaults>
+    <a:lnDef>
+      <a:spPr/>
+      <a:bodyPr/>
+      <a:lstStyle/>
+      <a:style>
+        <a:lnRef idx="2">
+          <a:schemeClr val="accent1"/>
+        </a:lnRef>
+        <a:fillRef idx="0">
+          <a:schemeClr val="accent1"/>
+        </a:fillRef>
+        <a:effectRef idx="1">
+          <a:schemeClr val="accent1"/>
+        </a:effectRef>
+        <a:fontRef idx="minor">
+          <a:schemeClr val="tx1"/>
+        </a:fontRef>
+      </a:style>
+    </a:lnDef>
+  </a:objectDefaults>
+  <a:extraClrSchemeLst/>
+  <a:extLst>
+    <a:ext uri="{05A4C25C-085E-4340-85A3-A5531E510DB2}">
+      <thm15:themeFamily xmlns:thm15="http://schemas.microsoft.com/office/thememl/2012/main" name="Office Theme" id="{2E142A2C-CD16-42D6-873A-C26D2A0506FA}" vid="{1BDDFF52-6CD6-40A5-AB3C-68EB2F1E4D0A}"/>
+    </a:ext>
+  </a:extLst>
+</a:theme>
 </file>